--- a/Pitch.pptx
+++ b/Pitch.pptx
@@ -2,43 +2,30 @@
 <file path=ppt/presentation.xml><?xml version="1.0" encoding="utf-8"?>
 <p:presentation xmlns:a="http://schemas.openxmlformats.org/drawingml/2006/main" xmlns:r="http://schemas.openxmlformats.org/officeDocument/2006/relationships" xmlns:mc="http://schemas.openxmlformats.org/markup-compatibility/2006" xmlns:mv="urn:schemas-microsoft-com:mac:vml" xmlns:p="http://schemas.openxmlformats.org/presentationml/2006/main" xmlns:c="http://schemas.openxmlformats.org/drawingml/2006/chart" xmlns:dgm="http://schemas.openxmlformats.org/drawingml/2006/diagram" xmlns:o="urn:schemas-microsoft-com:office:office" xmlns:v="urn:schemas-microsoft-com:vml" xmlns:pvml="urn:schemas-microsoft-com:office:powerpoint" xmlns:com="http://schemas.openxmlformats.org/drawingml/2006/compatibility" xmlns:p14="http://schemas.microsoft.com/office/powerpoint/2010/main" xmlns:p15="http://schemas.microsoft.com/office/powerpoint/2012/main" autoCompressPictures="0" embedTrueTypeFonts="1" strictFirstAndLastChars="0" saveSubsetFonts="1">
   <p:sldMasterIdLst>
-    <p:sldMasterId id="2147483659" r:id="rId5"/>
+    <p:sldMasterId id="2147483659" r:id="rId4"/>
   </p:sldMasterIdLst>
   <p:notesMasterIdLst>
-    <p:notesMasterId r:id="rId6"/>
+    <p:notesMasterId r:id="rId5"/>
   </p:notesMasterIdLst>
   <p:sldIdLst>
-    <p:sldId id="256" r:id="rId7"/>
-    <p:sldId id="257" r:id="rId8"/>
-    <p:sldId id="258" r:id="rId9"/>
-    <p:sldId id="259" r:id="rId10"/>
-    <p:sldId id="260" r:id="rId11"/>
-    <p:sldId id="261" r:id="rId12"/>
-    <p:sldId id="262" r:id="rId13"/>
-    <p:sldId id="263" r:id="rId14"/>
-    <p:sldId id="264" r:id="rId15"/>
+    <p:sldId id="256" r:id="rId6"/>
+    <p:sldId id="257" r:id="rId7"/>
+    <p:sldId id="258" r:id="rId8"/>
   </p:sldIdLst>
   <p:sldSz cy="5143500" cx="9144000"/>
   <p:notesSz cx="6858000" cy="9144000"/>
   <p:embeddedFontLst>
     <p:embeddedFont>
       <p:font typeface="PT Sans Narrow"/>
-      <p:regular r:id="rId16"/>
-      <p:bold r:id="rId17"/>
-    </p:embeddedFont>
-    <p:embeddedFont>
-      <p:font typeface="Lato"/>
-      <p:regular r:id="rId18"/>
-      <p:bold r:id="rId19"/>
-      <p:italic r:id="rId20"/>
-      <p:boldItalic r:id="rId21"/>
+      <p:regular r:id="rId9"/>
+      <p:bold r:id="rId10"/>
     </p:embeddedFont>
     <p:embeddedFont>
       <p:font typeface="Open Sans"/>
-      <p:regular r:id="rId22"/>
-      <p:bold r:id="rId23"/>
-      <p:italic r:id="rId24"/>
-      <p:boldItalic r:id="rId25"/>
+      <p:regular r:id="rId11"/>
+      <p:bold r:id="rId12"/>
+      <p:italic r:id="rId13"/>
+      <p:boldItalic r:id="rId14"/>
     </p:embeddedFont>
   </p:embeddedFontLst>
   <p:defaultTextStyle>
@@ -831,7 +818,7 @@
       </p:grpSpPr>
       <p:sp>
         <p:nvSpPr>
-          <p:cNvPr id="69" name="Google Shape;69;g582a004f74_0_170:notes"/>
+          <p:cNvPr id="69" name="Google Shape;69;g582ab0d738_0_292:notes"/>
           <p:cNvSpPr/>
           <p:nvPr>
             <p:ph idx="2" type="sldImg"/>
@@ -866,7 +853,7 @@
       </p:sp>
       <p:sp>
         <p:nvSpPr>
-          <p:cNvPr id="70" name="Google Shape;70;g582a004f74_0_170:notes"/>
+          <p:cNvPr id="70" name="Google Shape;70;g582ab0d738_0_292:notes"/>
           <p:cNvSpPr txBox="1"/>
           <p:nvPr>
             <p:ph idx="1" type="body"/>
@@ -916,7 +903,7 @@
   <p:cSld>
     <p:spTree>
       <p:nvGrpSpPr>
-        <p:cNvPr id="75" name="Shape 75"/>
+        <p:cNvPr id="74" name="Shape 74"/>
         <p:cNvGrpSpPr/>
         <p:nvPr/>
       </p:nvGrpSpPr>
@@ -930,7 +917,7 @@
       </p:grpSpPr>
       <p:sp>
         <p:nvSpPr>
-          <p:cNvPr id="76" name="Google Shape;76;g582a004f74_0_176:notes"/>
+          <p:cNvPr id="75" name="Google Shape;75;g582ab0d738_0_297:notes"/>
           <p:cNvSpPr/>
           <p:nvPr>
             <p:ph idx="2" type="sldImg"/>
@@ -965,601 +952,7 @@
       </p:sp>
       <p:sp>
         <p:nvSpPr>
-          <p:cNvPr id="77" name="Google Shape;77;g582a004f74_0_176:notes"/>
-          <p:cNvSpPr txBox="1"/>
-          <p:nvPr>
-            <p:ph idx="1" type="body"/>
-          </p:nvPr>
-        </p:nvSpPr>
-        <p:spPr>
-          <a:xfrm>
-            <a:off x="685800" y="4343400"/>
-            <a:ext cx="5486400" cy="4114800"/>
-          </a:xfrm>
-          <a:prstGeom prst="rect">
-            <a:avLst/>
-          </a:prstGeom>
-        </p:spPr>
-        <p:txBody>
-          <a:bodyPr anchorCtr="0" anchor="t" bIns="91425" lIns="91425" spcFirstLastPara="1" rIns="91425" wrap="square" tIns="91425">
-            <a:noAutofit/>
-          </a:bodyPr>
-          <a:lstStyle/>
-          <a:p>
-            <a:pPr indent="0" lvl="0" marL="0" rtl="0" algn="l">
-              <a:spcBef>
-                <a:spcPts val="0"/>
-              </a:spcBef>
-              <a:spcAft>
-                <a:spcPts val="0"/>
-              </a:spcAft>
-              <a:buNone/>
-            </a:pPr>
-            <a:r>
-              <a:t/>
-            </a:r>
-            <a:endParaRPr/>
-          </a:p>
-        </p:txBody>
-      </p:sp>
-    </p:spTree>
-  </p:cSld>
-  <p:clrMapOvr>
-    <a:masterClrMapping/>
-  </p:clrMapOvr>
-</p:notes>
-</file>
-
-<file path=ppt/notesSlides/notesSlide4.xml><?xml version="1.0" encoding="utf-8"?>
-<p:notes xmlns:a="http://schemas.openxmlformats.org/drawingml/2006/main" xmlns:r="http://schemas.openxmlformats.org/officeDocument/2006/relationships" xmlns:mc="http://schemas.openxmlformats.org/markup-compatibility/2006" xmlns:mv="urn:schemas-microsoft-com:mac:vml" xmlns:p="http://schemas.openxmlformats.org/presentationml/2006/main" xmlns:c="http://schemas.openxmlformats.org/drawingml/2006/chart" xmlns:dgm="http://schemas.openxmlformats.org/drawingml/2006/diagram" xmlns:o="urn:schemas-microsoft-com:office:office" xmlns:v="urn:schemas-microsoft-com:vml" xmlns:pvml="urn:schemas-microsoft-com:office:powerpoint" xmlns:com="http://schemas.openxmlformats.org/drawingml/2006/compatibility" xmlns:p14="http://schemas.microsoft.com/office/powerpoint/2010/main" xmlns:p15="http://schemas.microsoft.com/office/powerpoint/2012/main" showMasterPhAnim="0" showMasterSp="0">
-  <p:cSld>
-    <p:spTree>
-      <p:nvGrpSpPr>
-        <p:cNvPr id="81" name="Shape 81"/>
-        <p:cNvGrpSpPr/>
-        <p:nvPr/>
-      </p:nvGrpSpPr>
-      <p:grpSpPr>
-        <a:xfrm>
-          <a:off x="0" y="0"/>
-          <a:ext cx="0" cy="0"/>
-          <a:chOff x="0" y="0"/>
-          <a:chExt cx="0" cy="0"/>
-        </a:xfrm>
-      </p:grpSpPr>
-      <p:sp>
-        <p:nvSpPr>
-          <p:cNvPr id="82" name="Google Shape;82;g582a004f74_0_183:notes"/>
-          <p:cNvSpPr/>
-          <p:nvPr>
-            <p:ph idx="2" type="sldImg"/>
-          </p:nvPr>
-        </p:nvSpPr>
-        <p:spPr>
-          <a:xfrm>
-            <a:off x="381300" y="685800"/>
-            <a:ext cx="6096000" cy="3429000"/>
-          </a:xfrm>
-          <a:custGeom>
-            <a:rect b="b" l="l" r="r" t="t"/>
-            <a:pathLst>
-              <a:path extrusionOk="0" h="120000" w="120000">
-                <a:moveTo>
-                  <a:pt x="0" y="0"/>
-                </a:moveTo>
-                <a:lnTo>
-                  <a:pt x="120000" y="0"/>
-                </a:lnTo>
-                <a:lnTo>
-                  <a:pt x="120000" y="120000"/>
-                </a:lnTo>
-                <a:lnTo>
-                  <a:pt x="0" y="120000"/>
-                </a:lnTo>
-                <a:close/>
-              </a:path>
-            </a:pathLst>
-          </a:custGeom>
-        </p:spPr>
-      </p:sp>
-      <p:sp>
-        <p:nvSpPr>
-          <p:cNvPr id="83" name="Google Shape;83;g582a004f74_0_183:notes"/>
-          <p:cNvSpPr txBox="1"/>
-          <p:nvPr>
-            <p:ph idx="1" type="body"/>
-          </p:nvPr>
-        </p:nvSpPr>
-        <p:spPr>
-          <a:xfrm>
-            <a:off x="685800" y="4343400"/>
-            <a:ext cx="5486400" cy="4114800"/>
-          </a:xfrm>
-          <a:prstGeom prst="rect">
-            <a:avLst/>
-          </a:prstGeom>
-        </p:spPr>
-        <p:txBody>
-          <a:bodyPr anchorCtr="0" anchor="t" bIns="91425" lIns="91425" spcFirstLastPara="1" rIns="91425" wrap="square" tIns="91425">
-            <a:noAutofit/>
-          </a:bodyPr>
-          <a:lstStyle/>
-          <a:p>
-            <a:pPr indent="0" lvl="0" marL="0" rtl="0" algn="l">
-              <a:spcBef>
-                <a:spcPts val="0"/>
-              </a:spcBef>
-              <a:spcAft>
-                <a:spcPts val="0"/>
-              </a:spcAft>
-              <a:buNone/>
-            </a:pPr>
-            <a:r>
-              <a:t/>
-            </a:r>
-            <a:endParaRPr/>
-          </a:p>
-        </p:txBody>
-      </p:sp>
-    </p:spTree>
-  </p:cSld>
-  <p:clrMapOvr>
-    <a:masterClrMapping/>
-  </p:clrMapOvr>
-</p:notes>
-</file>
-
-<file path=ppt/notesSlides/notesSlide5.xml><?xml version="1.0" encoding="utf-8"?>
-<p:notes xmlns:a="http://schemas.openxmlformats.org/drawingml/2006/main" xmlns:r="http://schemas.openxmlformats.org/officeDocument/2006/relationships" xmlns:mc="http://schemas.openxmlformats.org/markup-compatibility/2006" xmlns:mv="urn:schemas-microsoft-com:mac:vml" xmlns:p="http://schemas.openxmlformats.org/presentationml/2006/main" xmlns:c="http://schemas.openxmlformats.org/drawingml/2006/chart" xmlns:dgm="http://schemas.openxmlformats.org/drawingml/2006/diagram" xmlns:o="urn:schemas-microsoft-com:office:office" xmlns:v="urn:schemas-microsoft-com:vml" xmlns:pvml="urn:schemas-microsoft-com:office:powerpoint" xmlns:com="http://schemas.openxmlformats.org/drawingml/2006/compatibility" xmlns:p14="http://schemas.microsoft.com/office/powerpoint/2010/main" xmlns:p15="http://schemas.microsoft.com/office/powerpoint/2012/main" showMasterPhAnim="0" showMasterSp="0">
-  <p:cSld>
-    <p:spTree>
-      <p:nvGrpSpPr>
-        <p:cNvPr id="88" name="Shape 88"/>
-        <p:cNvGrpSpPr/>
-        <p:nvPr/>
-      </p:nvGrpSpPr>
-      <p:grpSpPr>
-        <a:xfrm>
-          <a:off x="0" y="0"/>
-          <a:ext cx="0" cy="0"/>
-          <a:chOff x="0" y="0"/>
-          <a:chExt cx="0" cy="0"/>
-        </a:xfrm>
-      </p:grpSpPr>
-      <p:sp>
-        <p:nvSpPr>
-          <p:cNvPr id="89" name="Google Shape;89;g582a004f74_0_359:notes"/>
-          <p:cNvSpPr/>
-          <p:nvPr>
-            <p:ph idx="2" type="sldImg"/>
-          </p:nvPr>
-        </p:nvSpPr>
-        <p:spPr>
-          <a:xfrm>
-            <a:off x="381300" y="685800"/>
-            <a:ext cx="6096000" cy="3429000"/>
-          </a:xfrm>
-          <a:custGeom>
-            <a:rect b="b" l="l" r="r" t="t"/>
-            <a:pathLst>
-              <a:path extrusionOk="0" h="120000" w="120000">
-                <a:moveTo>
-                  <a:pt x="0" y="0"/>
-                </a:moveTo>
-                <a:lnTo>
-                  <a:pt x="120000" y="0"/>
-                </a:lnTo>
-                <a:lnTo>
-                  <a:pt x="120000" y="120000"/>
-                </a:lnTo>
-                <a:lnTo>
-                  <a:pt x="0" y="120000"/>
-                </a:lnTo>
-                <a:close/>
-              </a:path>
-            </a:pathLst>
-          </a:custGeom>
-        </p:spPr>
-      </p:sp>
-      <p:sp>
-        <p:nvSpPr>
-          <p:cNvPr id="90" name="Google Shape;90;g582a004f74_0_359:notes"/>
-          <p:cNvSpPr txBox="1"/>
-          <p:nvPr>
-            <p:ph idx="1" type="body"/>
-          </p:nvPr>
-        </p:nvSpPr>
-        <p:spPr>
-          <a:xfrm>
-            <a:off x="685800" y="4343400"/>
-            <a:ext cx="5486400" cy="4114800"/>
-          </a:xfrm>
-          <a:prstGeom prst="rect">
-            <a:avLst/>
-          </a:prstGeom>
-        </p:spPr>
-        <p:txBody>
-          <a:bodyPr anchorCtr="0" anchor="t" bIns="91425" lIns="91425" spcFirstLastPara="1" rIns="91425" wrap="square" tIns="91425">
-            <a:noAutofit/>
-          </a:bodyPr>
-          <a:lstStyle/>
-          <a:p>
-            <a:pPr indent="0" lvl="0" marL="0" rtl="0" algn="l">
-              <a:spcBef>
-                <a:spcPts val="0"/>
-              </a:spcBef>
-              <a:spcAft>
-                <a:spcPts val="0"/>
-              </a:spcAft>
-              <a:buNone/>
-            </a:pPr>
-            <a:r>
-              <a:t/>
-            </a:r>
-            <a:endParaRPr/>
-          </a:p>
-        </p:txBody>
-      </p:sp>
-    </p:spTree>
-  </p:cSld>
-  <p:clrMapOvr>
-    <a:masterClrMapping/>
-  </p:clrMapOvr>
-</p:notes>
-</file>
-
-<file path=ppt/notesSlides/notesSlide6.xml><?xml version="1.0" encoding="utf-8"?>
-<p:notes xmlns:a="http://schemas.openxmlformats.org/drawingml/2006/main" xmlns:r="http://schemas.openxmlformats.org/officeDocument/2006/relationships" xmlns:mc="http://schemas.openxmlformats.org/markup-compatibility/2006" xmlns:mv="urn:schemas-microsoft-com:mac:vml" xmlns:p="http://schemas.openxmlformats.org/presentationml/2006/main" xmlns:c="http://schemas.openxmlformats.org/drawingml/2006/chart" xmlns:dgm="http://schemas.openxmlformats.org/drawingml/2006/diagram" xmlns:o="urn:schemas-microsoft-com:office:office" xmlns:v="urn:schemas-microsoft-com:vml" xmlns:pvml="urn:schemas-microsoft-com:office:powerpoint" xmlns:com="http://schemas.openxmlformats.org/drawingml/2006/compatibility" xmlns:p14="http://schemas.microsoft.com/office/powerpoint/2010/main" xmlns:p15="http://schemas.microsoft.com/office/powerpoint/2012/main" showMasterPhAnim="0" showMasterSp="0">
-  <p:cSld>
-    <p:spTree>
-      <p:nvGrpSpPr>
-        <p:cNvPr id="96" name="Shape 96"/>
-        <p:cNvGrpSpPr/>
-        <p:nvPr/>
-      </p:nvGrpSpPr>
-      <p:grpSpPr>
-        <a:xfrm>
-          <a:off x="0" y="0"/>
-          <a:ext cx="0" cy="0"/>
-          <a:chOff x="0" y="0"/>
-          <a:chExt cx="0" cy="0"/>
-        </a:xfrm>
-      </p:grpSpPr>
-      <p:sp>
-        <p:nvSpPr>
-          <p:cNvPr id="97" name="Google Shape;97;g582a004f74_0_367:notes"/>
-          <p:cNvSpPr/>
-          <p:nvPr>
-            <p:ph idx="2" type="sldImg"/>
-          </p:nvPr>
-        </p:nvSpPr>
-        <p:spPr>
-          <a:xfrm>
-            <a:off x="381300" y="685800"/>
-            <a:ext cx="6096000" cy="3429000"/>
-          </a:xfrm>
-          <a:custGeom>
-            <a:rect b="b" l="l" r="r" t="t"/>
-            <a:pathLst>
-              <a:path extrusionOk="0" h="120000" w="120000">
-                <a:moveTo>
-                  <a:pt x="0" y="0"/>
-                </a:moveTo>
-                <a:lnTo>
-                  <a:pt x="120000" y="0"/>
-                </a:lnTo>
-                <a:lnTo>
-                  <a:pt x="120000" y="120000"/>
-                </a:lnTo>
-                <a:lnTo>
-                  <a:pt x="0" y="120000"/>
-                </a:lnTo>
-                <a:close/>
-              </a:path>
-            </a:pathLst>
-          </a:custGeom>
-        </p:spPr>
-      </p:sp>
-      <p:sp>
-        <p:nvSpPr>
-          <p:cNvPr id="98" name="Google Shape;98;g582a004f74_0_367:notes"/>
-          <p:cNvSpPr txBox="1"/>
-          <p:nvPr>
-            <p:ph idx="1" type="body"/>
-          </p:nvPr>
-        </p:nvSpPr>
-        <p:spPr>
-          <a:xfrm>
-            <a:off x="685800" y="4343400"/>
-            <a:ext cx="5486400" cy="4114800"/>
-          </a:xfrm>
-          <a:prstGeom prst="rect">
-            <a:avLst/>
-          </a:prstGeom>
-        </p:spPr>
-        <p:txBody>
-          <a:bodyPr anchorCtr="0" anchor="t" bIns="91425" lIns="91425" spcFirstLastPara="1" rIns="91425" wrap="square" tIns="91425">
-            <a:noAutofit/>
-          </a:bodyPr>
-          <a:lstStyle/>
-          <a:p>
-            <a:pPr indent="0" lvl="0" marL="0" rtl="0" algn="l">
-              <a:spcBef>
-                <a:spcPts val="0"/>
-              </a:spcBef>
-              <a:spcAft>
-                <a:spcPts val="0"/>
-              </a:spcAft>
-              <a:buNone/>
-            </a:pPr>
-            <a:r>
-              <a:t/>
-            </a:r>
-            <a:endParaRPr/>
-          </a:p>
-        </p:txBody>
-      </p:sp>
-    </p:spTree>
-  </p:cSld>
-  <p:clrMapOvr>
-    <a:masterClrMapping/>
-  </p:clrMapOvr>
-</p:notes>
-</file>
-
-<file path=ppt/notesSlides/notesSlide7.xml><?xml version="1.0" encoding="utf-8"?>
-<p:notes xmlns:a="http://schemas.openxmlformats.org/drawingml/2006/main" xmlns:r="http://schemas.openxmlformats.org/officeDocument/2006/relationships" xmlns:mc="http://schemas.openxmlformats.org/markup-compatibility/2006" xmlns:mv="urn:schemas-microsoft-com:mac:vml" xmlns:p="http://schemas.openxmlformats.org/presentationml/2006/main" xmlns:c="http://schemas.openxmlformats.org/drawingml/2006/chart" xmlns:dgm="http://schemas.openxmlformats.org/drawingml/2006/diagram" xmlns:o="urn:schemas-microsoft-com:office:office" xmlns:v="urn:schemas-microsoft-com:vml" xmlns:pvml="urn:schemas-microsoft-com:office:powerpoint" xmlns:com="http://schemas.openxmlformats.org/drawingml/2006/compatibility" xmlns:p14="http://schemas.microsoft.com/office/powerpoint/2010/main" xmlns:p15="http://schemas.microsoft.com/office/powerpoint/2012/main" showMasterPhAnim="0" showMasterSp="0">
-  <p:cSld>
-    <p:spTree>
-      <p:nvGrpSpPr>
-        <p:cNvPr id="103" name="Shape 103"/>
-        <p:cNvGrpSpPr/>
-        <p:nvPr/>
-      </p:nvGrpSpPr>
-      <p:grpSpPr>
-        <a:xfrm>
-          <a:off x="0" y="0"/>
-          <a:ext cx="0" cy="0"/>
-          <a:chOff x="0" y="0"/>
-          <a:chExt cx="0" cy="0"/>
-        </a:xfrm>
-      </p:grpSpPr>
-      <p:sp>
-        <p:nvSpPr>
-          <p:cNvPr id="104" name="Google Shape;104;g582a004f74_0_374:notes"/>
-          <p:cNvSpPr/>
-          <p:nvPr>
-            <p:ph idx="2" type="sldImg"/>
-          </p:nvPr>
-        </p:nvSpPr>
-        <p:spPr>
-          <a:xfrm>
-            <a:off x="381300" y="685800"/>
-            <a:ext cx="6096000" cy="3429000"/>
-          </a:xfrm>
-          <a:custGeom>
-            <a:rect b="b" l="l" r="r" t="t"/>
-            <a:pathLst>
-              <a:path extrusionOk="0" h="120000" w="120000">
-                <a:moveTo>
-                  <a:pt x="0" y="0"/>
-                </a:moveTo>
-                <a:lnTo>
-                  <a:pt x="120000" y="0"/>
-                </a:lnTo>
-                <a:lnTo>
-                  <a:pt x="120000" y="120000"/>
-                </a:lnTo>
-                <a:lnTo>
-                  <a:pt x="0" y="120000"/>
-                </a:lnTo>
-                <a:close/>
-              </a:path>
-            </a:pathLst>
-          </a:custGeom>
-        </p:spPr>
-      </p:sp>
-      <p:sp>
-        <p:nvSpPr>
-          <p:cNvPr id="105" name="Google Shape;105;g582a004f74_0_374:notes"/>
-          <p:cNvSpPr txBox="1"/>
-          <p:nvPr>
-            <p:ph idx="1" type="body"/>
-          </p:nvPr>
-        </p:nvSpPr>
-        <p:spPr>
-          <a:xfrm>
-            <a:off x="685800" y="4343400"/>
-            <a:ext cx="5486400" cy="4114800"/>
-          </a:xfrm>
-          <a:prstGeom prst="rect">
-            <a:avLst/>
-          </a:prstGeom>
-        </p:spPr>
-        <p:txBody>
-          <a:bodyPr anchorCtr="0" anchor="t" bIns="91425" lIns="91425" spcFirstLastPara="1" rIns="91425" wrap="square" tIns="91425">
-            <a:noAutofit/>
-          </a:bodyPr>
-          <a:lstStyle/>
-          <a:p>
-            <a:pPr indent="0" lvl="0" marL="0" rtl="0" algn="l">
-              <a:spcBef>
-                <a:spcPts val="0"/>
-              </a:spcBef>
-              <a:spcAft>
-                <a:spcPts val="0"/>
-              </a:spcAft>
-              <a:buNone/>
-            </a:pPr>
-            <a:r>
-              <a:t/>
-            </a:r>
-            <a:endParaRPr/>
-          </a:p>
-        </p:txBody>
-      </p:sp>
-    </p:spTree>
-  </p:cSld>
-  <p:clrMapOvr>
-    <a:masterClrMapping/>
-  </p:clrMapOvr>
-</p:notes>
-</file>
-
-<file path=ppt/notesSlides/notesSlide8.xml><?xml version="1.0" encoding="utf-8"?>
-<p:notes xmlns:a="http://schemas.openxmlformats.org/drawingml/2006/main" xmlns:r="http://schemas.openxmlformats.org/officeDocument/2006/relationships" xmlns:mc="http://schemas.openxmlformats.org/markup-compatibility/2006" xmlns:mv="urn:schemas-microsoft-com:mac:vml" xmlns:p="http://schemas.openxmlformats.org/presentationml/2006/main" xmlns:c="http://schemas.openxmlformats.org/drawingml/2006/chart" xmlns:dgm="http://schemas.openxmlformats.org/drawingml/2006/diagram" xmlns:o="urn:schemas-microsoft-com:office:office" xmlns:v="urn:schemas-microsoft-com:vml" xmlns:pvml="urn:schemas-microsoft-com:office:powerpoint" xmlns:com="http://schemas.openxmlformats.org/drawingml/2006/compatibility" xmlns:p14="http://schemas.microsoft.com/office/powerpoint/2010/main" xmlns:p15="http://schemas.microsoft.com/office/powerpoint/2012/main" showMasterPhAnim="0" showMasterSp="0">
-  <p:cSld>
-    <p:spTree>
-      <p:nvGrpSpPr>
-        <p:cNvPr id="110" name="Shape 110"/>
-        <p:cNvGrpSpPr/>
-        <p:nvPr/>
-      </p:nvGrpSpPr>
-      <p:grpSpPr>
-        <a:xfrm>
-          <a:off x="0" y="0"/>
-          <a:ext cx="0" cy="0"/>
-          <a:chOff x="0" y="0"/>
-          <a:chExt cx="0" cy="0"/>
-        </a:xfrm>
-      </p:grpSpPr>
-      <p:sp>
-        <p:nvSpPr>
-          <p:cNvPr id="111" name="Google Shape;111;g582a004f74_0_381:notes"/>
-          <p:cNvSpPr/>
-          <p:nvPr>
-            <p:ph idx="2" type="sldImg"/>
-          </p:nvPr>
-        </p:nvSpPr>
-        <p:spPr>
-          <a:xfrm>
-            <a:off x="381300" y="685800"/>
-            <a:ext cx="6096000" cy="3429000"/>
-          </a:xfrm>
-          <a:custGeom>
-            <a:rect b="b" l="l" r="r" t="t"/>
-            <a:pathLst>
-              <a:path extrusionOk="0" h="120000" w="120000">
-                <a:moveTo>
-                  <a:pt x="0" y="0"/>
-                </a:moveTo>
-                <a:lnTo>
-                  <a:pt x="120000" y="0"/>
-                </a:lnTo>
-                <a:lnTo>
-                  <a:pt x="120000" y="120000"/>
-                </a:lnTo>
-                <a:lnTo>
-                  <a:pt x="0" y="120000"/>
-                </a:lnTo>
-                <a:close/>
-              </a:path>
-            </a:pathLst>
-          </a:custGeom>
-        </p:spPr>
-      </p:sp>
-      <p:sp>
-        <p:nvSpPr>
-          <p:cNvPr id="112" name="Google Shape;112;g582a004f74_0_381:notes"/>
-          <p:cNvSpPr txBox="1"/>
-          <p:nvPr>
-            <p:ph idx="1" type="body"/>
-          </p:nvPr>
-        </p:nvSpPr>
-        <p:spPr>
-          <a:xfrm>
-            <a:off x="685800" y="4343400"/>
-            <a:ext cx="5486400" cy="4114800"/>
-          </a:xfrm>
-          <a:prstGeom prst="rect">
-            <a:avLst/>
-          </a:prstGeom>
-        </p:spPr>
-        <p:txBody>
-          <a:bodyPr anchorCtr="0" anchor="t" bIns="91425" lIns="91425" spcFirstLastPara="1" rIns="91425" wrap="square" tIns="91425">
-            <a:noAutofit/>
-          </a:bodyPr>
-          <a:lstStyle/>
-          <a:p>
-            <a:pPr indent="0" lvl="0" marL="0" rtl="0" algn="l">
-              <a:spcBef>
-                <a:spcPts val="0"/>
-              </a:spcBef>
-              <a:spcAft>
-                <a:spcPts val="0"/>
-              </a:spcAft>
-              <a:buNone/>
-            </a:pPr>
-            <a:r>
-              <a:t/>
-            </a:r>
-            <a:endParaRPr/>
-          </a:p>
-        </p:txBody>
-      </p:sp>
-    </p:spTree>
-  </p:cSld>
-  <p:clrMapOvr>
-    <a:masterClrMapping/>
-  </p:clrMapOvr>
-</p:notes>
-</file>
-
-<file path=ppt/notesSlides/notesSlide9.xml><?xml version="1.0" encoding="utf-8"?>
-<p:notes xmlns:a="http://schemas.openxmlformats.org/drawingml/2006/main" xmlns:r="http://schemas.openxmlformats.org/officeDocument/2006/relationships" xmlns:mc="http://schemas.openxmlformats.org/markup-compatibility/2006" xmlns:mv="urn:schemas-microsoft-com:mac:vml" xmlns:p="http://schemas.openxmlformats.org/presentationml/2006/main" xmlns:c="http://schemas.openxmlformats.org/drawingml/2006/chart" xmlns:dgm="http://schemas.openxmlformats.org/drawingml/2006/diagram" xmlns:o="urn:schemas-microsoft-com:office:office" xmlns:v="urn:schemas-microsoft-com:vml" xmlns:pvml="urn:schemas-microsoft-com:office:powerpoint" xmlns:com="http://schemas.openxmlformats.org/drawingml/2006/compatibility" xmlns:p14="http://schemas.microsoft.com/office/powerpoint/2010/main" xmlns:p15="http://schemas.microsoft.com/office/powerpoint/2012/main" showMasterPhAnim="0" showMasterSp="0">
-  <p:cSld>
-    <p:spTree>
-      <p:nvGrpSpPr>
-        <p:cNvPr id="117" name="Shape 117"/>
-        <p:cNvGrpSpPr/>
-        <p:nvPr/>
-      </p:nvGrpSpPr>
-      <p:grpSpPr>
-        <a:xfrm>
-          <a:off x="0" y="0"/>
-          <a:ext cx="0" cy="0"/>
-          <a:chOff x="0" y="0"/>
-          <a:chExt cx="0" cy="0"/>
-        </a:xfrm>
-      </p:grpSpPr>
-      <p:sp>
-        <p:nvSpPr>
-          <p:cNvPr id="118" name="Google Shape;118;g582a004f74_0_387:notes"/>
-          <p:cNvSpPr/>
-          <p:nvPr>
-            <p:ph idx="2" type="sldImg"/>
-          </p:nvPr>
-        </p:nvSpPr>
-        <p:spPr>
-          <a:xfrm>
-            <a:off x="381300" y="685800"/>
-            <a:ext cx="6096000" cy="3429000"/>
-          </a:xfrm>
-          <a:custGeom>
-            <a:rect b="b" l="l" r="r" t="t"/>
-            <a:pathLst>
-              <a:path extrusionOk="0" h="120000" w="120000">
-                <a:moveTo>
-                  <a:pt x="0" y="0"/>
-                </a:moveTo>
-                <a:lnTo>
-                  <a:pt x="120000" y="0"/>
-                </a:lnTo>
-                <a:lnTo>
-                  <a:pt x="120000" y="120000"/>
-                </a:lnTo>
-                <a:lnTo>
-                  <a:pt x="0" y="120000"/>
-                </a:lnTo>
-                <a:close/>
-              </a:path>
-            </a:pathLst>
-          </a:custGeom>
-        </p:spPr>
-      </p:sp>
-      <p:sp>
-        <p:nvSpPr>
-          <p:cNvPr id="119" name="Google Shape;119;g582a004f74_0_387:notes"/>
+          <p:cNvPr id="76" name="Google Shape;76;g582ab0d738_0_297:notes"/>
           <p:cNvSpPr txBox="1"/>
           <p:nvPr>
             <p:ph idx="1" type="body"/>
@@ -6981,8 +6374,8 @@
         </p:nvSpPr>
         <p:spPr>
           <a:xfrm>
-            <a:off x="2618250" y="1645625"/>
-            <a:ext cx="4273500" cy="1578900"/>
+            <a:off x="1004150" y="1751764"/>
+            <a:ext cx="7136700" cy="1022400"/>
           </a:xfrm>
           <a:prstGeom prst="rect">
             <a:avLst/>
@@ -7005,13 +6398,9 @@
             </a:pPr>
             <a:r>
               <a:rPr lang="en" sz="3000"/>
-              <a:t>Better Donation and Disease Forecasting with Feature E</a:t>
+              <a:t>Better Donation and Disease Forecasting with Feature Engineering</a:t>
             </a:r>
-            <a:r>
-              <a:rPr lang="en" sz="3000"/>
-              <a:t>ngineering</a:t>
-            </a:r>
-            <a:endParaRPr sz="3000"/>
+            <a:endParaRPr/>
           </a:p>
         </p:txBody>
       </p:sp>
@@ -7019,20 +6408,18 @@
         <p:nvSpPr>
           <p:cNvPr id="67" name="Google Shape;67;p13"/>
           <p:cNvSpPr txBox="1"/>
-          <p:nvPr/>
+          <p:nvPr>
+            <p:ph idx="1" type="subTitle"/>
+          </p:nvPr>
         </p:nvSpPr>
         <p:spPr>
           <a:xfrm>
-            <a:off x="997350" y="4266825"/>
-            <a:ext cx="7149300" cy="605100"/>
+            <a:off x="2137225" y="2850039"/>
+            <a:ext cx="4870500" cy="792600"/>
           </a:xfrm>
           <a:prstGeom prst="rect">
             <a:avLst/>
           </a:prstGeom>
-          <a:noFill/>
-          <a:ln>
-            <a:noFill/>
-          </a:ln>
         </p:spPr>
         <p:txBody>
           <a:bodyPr anchorCtr="0" anchor="t" bIns="91425" lIns="91425" spcFirstLastPara="1" rIns="91425" wrap="square" tIns="91425">
@@ -7050,20 +6437,10 @@
               <a:buNone/>
             </a:pPr>
             <a:r>
-              <a:rPr lang="en" sz="3000">
-                <a:latin typeface="Open Sans"/>
-                <a:ea typeface="Open Sans"/>
-                <a:cs typeface="Open Sans"/>
-                <a:sym typeface="Open Sans"/>
-              </a:rPr>
+              <a:rPr lang="en"/>
               <a:t>Team Flash</a:t>
             </a:r>
-            <a:endParaRPr sz="3000">
-              <a:latin typeface="Open Sans"/>
-              <a:ea typeface="Open Sans"/>
-              <a:cs typeface="Open Sans"/>
-              <a:sym typeface="Open Sans"/>
-            </a:endParaRPr>
+            <a:endParaRPr/>
           </a:p>
         </p:txBody>
       </p:sp>
@@ -7126,11 +6503,7 @@
             </a:pPr>
             <a:r>
               <a:rPr lang="en"/>
-              <a:t>Blood Pressure F</a:t>
-            </a:r>
-            <a:r>
-              <a:rPr lang="en"/>
-              <a:t>eature Engineering</a:t>
+              <a:t>Problem Statement</a:t>
             </a:r>
             <a:endParaRPr/>
           </a:p>
@@ -7140,60 +6513,12 @@
         <p:nvSpPr>
           <p:cNvPr id="73" name="Google Shape;73;p14"/>
           <p:cNvSpPr txBox="1"/>
-          <p:nvPr>
-            <p:ph idx="1" type="body"/>
-          </p:nvPr>
+          <p:nvPr/>
         </p:nvSpPr>
         <p:spPr>
           <a:xfrm>
-            <a:off x="569125" y="1196388"/>
-            <a:ext cx="2445300" cy="2750700"/>
-          </a:xfrm>
-          <a:prstGeom prst="rect">
-            <a:avLst/>
-          </a:prstGeom>
-        </p:spPr>
-        <p:txBody>
-          <a:bodyPr anchorCtr="0" anchor="t" bIns="91425" lIns="91425" spcFirstLastPara="1" rIns="91425" wrap="square" tIns="91425">
-            <a:noAutofit/>
-          </a:bodyPr>
-          <a:lstStyle/>
-          <a:p>
-            <a:pPr indent="0" lvl="0" marL="0" rtl="0" algn="l">
-              <a:spcBef>
-                <a:spcPts val="0"/>
-              </a:spcBef>
-              <a:spcAft>
-                <a:spcPts val="1600"/>
-              </a:spcAft>
-              <a:buNone/>
-            </a:pPr>
-            <a:r>
-              <a:rPr lang="en"/>
-              <a:t>Given the Donor’s Blood Pressure we have a made new columns to classify their blood pressure category and have seperated their systolic(upper) and diastolic(lower) numbers.</a:t>
-            </a:r>
-            <a:endParaRPr/>
-          </a:p>
-        </p:txBody>
-      </p:sp>
-      <p:pic>
-        <p:nvPicPr>
-          <p:cNvPr id="74" name="Google Shape;74;p14"/>
-          <p:cNvPicPr preferRelativeResize="0"/>
-          <p:nvPr/>
-        </p:nvPicPr>
-        <p:blipFill>
-          <a:blip r:embed="rId3">
-            <a:alphaModFix/>
-          </a:blip>
-          <a:stretch>
-            <a:fillRect/>
-          </a:stretch>
-        </p:blipFill>
-        <p:spPr>
-          <a:xfrm>
-            <a:off x="3684375" y="1307850"/>
-            <a:ext cx="5317099" cy="2750724"/>
+            <a:off x="377500" y="1531000"/>
+            <a:ext cx="8137200" cy="2946600"/>
           </a:xfrm>
           <a:prstGeom prst="rect">
             <a:avLst/>
@@ -7203,7 +6528,85 @@
             <a:noFill/>
           </a:ln>
         </p:spPr>
-      </p:pic>
+        <p:txBody>
+          <a:bodyPr anchorCtr="0" anchor="t" bIns="91425" lIns="91425" spcFirstLastPara="1" rIns="91425" wrap="square" tIns="91425">
+            <a:noAutofit/>
+          </a:bodyPr>
+          <a:lstStyle/>
+          <a:p>
+            <a:pPr indent="0" lvl="0" marL="0" rtl="0" algn="l">
+              <a:spcBef>
+                <a:spcPts val="0"/>
+              </a:spcBef>
+              <a:spcAft>
+                <a:spcPts val="0"/>
+              </a:spcAft>
+              <a:buNone/>
+            </a:pPr>
+            <a:r>
+              <a:rPr lang="en">
+                <a:latin typeface="Open Sans"/>
+                <a:ea typeface="Open Sans"/>
+                <a:cs typeface="Open Sans"/>
+                <a:sym typeface="Open Sans"/>
+              </a:rPr>
+              <a:t>A lot of donated blood gets wasted because it contains a life threatening disease, therefore it is unfit for blood transfusion.</a:t>
+            </a:r>
+            <a:endParaRPr>
+              <a:latin typeface="Open Sans"/>
+              <a:ea typeface="Open Sans"/>
+              <a:cs typeface="Open Sans"/>
+              <a:sym typeface="Open Sans"/>
+            </a:endParaRPr>
+          </a:p>
+          <a:p>
+            <a:pPr indent="0" lvl="0" marL="0" rtl="0" algn="l">
+              <a:spcBef>
+                <a:spcPts val="0"/>
+              </a:spcBef>
+              <a:spcAft>
+                <a:spcPts val="0"/>
+              </a:spcAft>
+              <a:buNone/>
+            </a:pPr>
+            <a:r>
+              <a:t/>
+            </a:r>
+            <a:endParaRPr>
+              <a:latin typeface="Open Sans"/>
+              <a:ea typeface="Open Sans"/>
+              <a:cs typeface="Open Sans"/>
+              <a:sym typeface="Open Sans"/>
+            </a:endParaRPr>
+          </a:p>
+          <a:p>
+            <a:pPr indent="0" lvl="0" marL="0" rtl="0" algn="l">
+              <a:spcBef>
+                <a:spcPts val="0"/>
+              </a:spcBef>
+              <a:spcAft>
+                <a:spcPts val="0"/>
+              </a:spcAft>
+              <a:buNone/>
+            </a:pPr>
+            <a:r>
+              <a:rPr lang="en">
+                <a:latin typeface="Open Sans"/>
+                <a:ea typeface="Open Sans"/>
+                <a:cs typeface="Open Sans"/>
+                <a:sym typeface="Open Sans"/>
+              </a:rPr>
+              <a:t>We need to minimize the loss of blood by collecting blood from </a:t>
+            </a:r>
+            <a:endParaRPr>
+              <a:latin typeface="Open Sans"/>
+              <a:ea typeface="Open Sans"/>
+              <a:cs typeface="Open Sans"/>
+              <a:sym typeface="Open Sans"/>
+            </a:endParaRPr>
+          </a:p>
+        </p:txBody>
+      </p:sp>
     </p:spTree>
   </p:cSld>
   <p:clrMapOvr>
@@ -7217,7 +6620,7 @@
   <p:cSld>
     <p:spTree>
       <p:nvGrpSpPr>
-        <p:cNvPr id="78" name="Shape 78"/>
+        <p:cNvPr id="77" name="Shape 77"/>
         <p:cNvGrpSpPr/>
         <p:nvPr/>
       </p:nvGrpSpPr>
@@ -7231,7 +6634,299 @@
       </p:grpSpPr>
       <p:sp>
         <p:nvSpPr>
+          <p:cNvPr id="78" name="Google Shape;78;p15"/>
+          <p:cNvSpPr txBox="1"/>
+          <p:nvPr>
+            <p:ph type="title"/>
+          </p:nvPr>
+        </p:nvSpPr>
+        <p:spPr>
+          <a:xfrm>
+            <a:off x="269750" y="2571750"/>
+            <a:ext cx="8520600" cy="707400"/>
+          </a:xfrm>
+          <a:prstGeom prst="rect">
+            <a:avLst/>
+          </a:prstGeom>
+        </p:spPr>
+        <p:txBody>
+          <a:bodyPr anchorCtr="0" anchor="t" bIns="91425" lIns="91425" spcFirstLastPara="1" rIns="91425" wrap="square" tIns="91425">
+            <a:noAutofit/>
+          </a:bodyPr>
+          <a:lstStyle/>
+          <a:p>
+            <a:pPr indent="0" lvl="0" marL="0" rtl="0" algn="l">
+              <a:spcBef>
+                <a:spcPts val="0"/>
+              </a:spcBef>
+              <a:spcAft>
+                <a:spcPts val="0"/>
+              </a:spcAft>
+              <a:buNone/>
+            </a:pPr>
+            <a:r>
+              <a:rPr lang="en"/>
+              <a:t>Time Series Analysis</a:t>
+            </a:r>
+            <a:endParaRPr/>
+          </a:p>
+        </p:txBody>
+      </p:sp>
+      <p:sp>
+        <p:nvSpPr>
           <p:cNvPr id="79" name="Google Shape;79;p15"/>
+          <p:cNvSpPr txBox="1"/>
+          <p:nvPr>
+            <p:ph idx="1" type="body"/>
+          </p:nvPr>
+        </p:nvSpPr>
+        <p:spPr>
+          <a:xfrm>
+            <a:off x="311700" y="3324150"/>
+            <a:ext cx="8520600" cy="1527900"/>
+          </a:xfrm>
+          <a:prstGeom prst="rect">
+            <a:avLst/>
+          </a:prstGeom>
+        </p:spPr>
+        <p:txBody>
+          <a:bodyPr anchorCtr="0" anchor="t" bIns="91425" lIns="91425" spcFirstLastPara="1" rIns="91425" wrap="square" tIns="91425">
+            <a:noAutofit/>
+          </a:bodyPr>
+          <a:lstStyle/>
+          <a:p>
+            <a:pPr indent="-317500" lvl="0" marL="457200" rtl="0" algn="l">
+              <a:spcBef>
+                <a:spcPts val="0"/>
+              </a:spcBef>
+              <a:spcAft>
+                <a:spcPts val="0"/>
+              </a:spcAft>
+              <a:buClr>
+                <a:srgbClr val="000000"/>
+              </a:buClr>
+              <a:buSzPts val="1400"/>
+              <a:buChar char="●"/>
+            </a:pPr>
+            <a:r>
+              <a:rPr lang="en" sz="1400">
+                <a:solidFill>
+                  <a:srgbClr val="000000"/>
+                </a:solidFill>
+              </a:rPr>
+              <a:t>Currently we are using a Seasonal Time Series Analysis, the model is promising due to the change in human </a:t>
+            </a:r>
+            <a:r>
+              <a:rPr lang="en" sz="1400">
+                <a:solidFill>
+                  <a:srgbClr val="000000"/>
+                </a:solidFill>
+              </a:rPr>
+              <a:t>behavior over the seasons.</a:t>
+            </a:r>
+            <a:endParaRPr sz="1400">
+              <a:solidFill>
+                <a:srgbClr val="000000"/>
+              </a:solidFill>
+            </a:endParaRPr>
+          </a:p>
+          <a:p>
+            <a:pPr indent="-317500" lvl="0" marL="457200" rtl="0" algn="l">
+              <a:spcBef>
+                <a:spcPts val="0"/>
+              </a:spcBef>
+              <a:spcAft>
+                <a:spcPts val="0"/>
+              </a:spcAft>
+              <a:buClr>
+                <a:srgbClr val="000000"/>
+              </a:buClr>
+              <a:buSzPts val="1400"/>
+              <a:buChar char="●"/>
+            </a:pPr>
+            <a:r>
+              <a:rPr lang="en" sz="1400">
+                <a:solidFill>
+                  <a:srgbClr val="000000"/>
+                </a:solidFill>
+              </a:rPr>
+              <a:t>A better approach, would be to use matter multivariate time series analysis approach, with this model we can take better advantage of the feature engineering columns to help solve our problem.</a:t>
+            </a:r>
+            <a:endParaRPr sz="1400">
+              <a:solidFill>
+                <a:srgbClr val="000000"/>
+              </a:solidFill>
+            </a:endParaRPr>
+          </a:p>
+        </p:txBody>
+      </p:sp>
+      <p:sp>
+        <p:nvSpPr>
+          <p:cNvPr id="80" name="Google Shape;80;p15"/>
+          <p:cNvSpPr txBox="1"/>
+          <p:nvPr>
+            <p:ph idx="1" type="body"/>
+          </p:nvPr>
+        </p:nvSpPr>
+        <p:spPr>
+          <a:xfrm>
+            <a:off x="269750" y="1224900"/>
+            <a:ext cx="8520600" cy="1451700"/>
+          </a:xfrm>
+          <a:prstGeom prst="rect">
+            <a:avLst/>
+          </a:prstGeom>
+        </p:spPr>
+        <p:txBody>
+          <a:bodyPr anchorCtr="0" anchor="t" bIns="91425" lIns="91425" spcFirstLastPara="1" rIns="91425" wrap="square" tIns="91425">
+            <a:noAutofit/>
+          </a:bodyPr>
+          <a:lstStyle/>
+          <a:p>
+            <a:pPr indent="-317500" lvl="0" marL="457200" rtl="0" algn="l">
+              <a:spcBef>
+                <a:spcPts val="0"/>
+              </a:spcBef>
+              <a:spcAft>
+                <a:spcPts val="0"/>
+              </a:spcAft>
+              <a:buClr>
+                <a:srgbClr val="000000"/>
+              </a:buClr>
+              <a:buSzPts val="1400"/>
+              <a:buChar char="●"/>
+            </a:pPr>
+            <a:r>
+              <a:rPr lang="en" sz="1400">
+                <a:solidFill>
+                  <a:srgbClr val="000000"/>
+                </a:solidFill>
+              </a:rPr>
+              <a:t>Blood Pressure “120/80” -&gt; [120(upper),80(lower),1(normal),0,0,0,0]</a:t>
+            </a:r>
+            <a:endParaRPr sz="1400">
+              <a:solidFill>
+                <a:srgbClr val="000000"/>
+              </a:solidFill>
+            </a:endParaRPr>
+          </a:p>
+          <a:p>
+            <a:pPr indent="-317500" lvl="0" marL="457200" rtl="0" algn="l">
+              <a:spcBef>
+                <a:spcPts val="0"/>
+              </a:spcBef>
+              <a:spcAft>
+                <a:spcPts val="0"/>
+              </a:spcAft>
+              <a:buClr>
+                <a:srgbClr val="000000"/>
+              </a:buClr>
+              <a:buSzPts val="1400"/>
+              <a:buChar char="●"/>
+            </a:pPr>
+            <a:r>
+              <a:rPr lang="en" sz="1400">
+                <a:solidFill>
+                  <a:srgbClr val="000000"/>
+                </a:solidFill>
+              </a:rPr>
+              <a:t>Seasonal Climate “12-JUL-2018” -&gt;  [2cm (Rainfall), 15 (sunshine), 30 (temp)]</a:t>
+            </a:r>
+            <a:endParaRPr sz="1400">
+              <a:solidFill>
+                <a:srgbClr val="000000"/>
+              </a:solidFill>
+            </a:endParaRPr>
+          </a:p>
+          <a:p>
+            <a:pPr indent="-317500" lvl="0" marL="457200" rtl="0" algn="l">
+              <a:spcBef>
+                <a:spcPts val="0"/>
+              </a:spcBef>
+              <a:spcAft>
+                <a:spcPts val="0"/>
+              </a:spcAft>
+              <a:buClr>
+                <a:srgbClr val="000000"/>
+              </a:buClr>
+              <a:buSzPts val="1400"/>
+              <a:buChar char="●"/>
+            </a:pPr>
+            <a:r>
+              <a:rPr lang="en" sz="1400">
+                <a:solidFill>
+                  <a:srgbClr val="000000"/>
+                </a:solidFill>
+              </a:rPr>
+              <a:t>Cultural Holidays “9-JUL-2013” -&gt; [1(This day was Ramadan)]</a:t>
+            </a:r>
+            <a:endParaRPr sz="1400">
+              <a:solidFill>
+                <a:srgbClr val="000000"/>
+              </a:solidFill>
+            </a:endParaRPr>
+          </a:p>
+          <a:p>
+            <a:pPr indent="-317500" lvl="0" marL="457200" rtl="0" algn="l">
+              <a:spcBef>
+                <a:spcPts val="0"/>
+              </a:spcBef>
+              <a:spcAft>
+                <a:spcPts val="0"/>
+              </a:spcAft>
+              <a:buClr>
+                <a:srgbClr val="000000"/>
+              </a:buClr>
+              <a:buSzPts val="1400"/>
+              <a:buChar char="●"/>
+            </a:pPr>
+            <a:r>
+              <a:rPr lang="en" sz="1400">
+                <a:solidFill>
+                  <a:srgbClr val="000000"/>
+                </a:solidFill>
+              </a:rPr>
+              <a:t>Age Category Analysis 34 -&gt; [2(middle age)]</a:t>
+            </a:r>
+            <a:endParaRPr sz="1400">
+              <a:solidFill>
+                <a:srgbClr val="000000"/>
+              </a:solidFill>
+            </a:endParaRPr>
+          </a:p>
+          <a:p>
+            <a:pPr indent="-317500" lvl="0" marL="457200" rtl="0" algn="l">
+              <a:spcBef>
+                <a:spcPts val="0"/>
+              </a:spcBef>
+              <a:spcAft>
+                <a:spcPts val="0"/>
+              </a:spcAft>
+              <a:buClr>
+                <a:srgbClr val="000000"/>
+              </a:buClr>
+              <a:buSzPts val="1400"/>
+              <a:buChar char="●"/>
+            </a:pPr>
+            <a:r>
+              <a:rPr lang="en" sz="1400">
+                <a:solidFill>
+                  <a:srgbClr val="000000"/>
+                </a:solidFill>
+              </a:rPr>
+              <a:t>Gender Analysis F -&gt; [Higher risk of engility] </a:t>
+            </a:r>
+            <a:endParaRPr sz="1400">
+              <a:solidFill>
+                <a:srgbClr val="000000"/>
+              </a:solidFill>
+            </a:endParaRPr>
+          </a:p>
+        </p:txBody>
+      </p:sp>
+      <p:sp>
+        <p:nvSpPr>
+          <p:cNvPr id="81" name="Google Shape;81;p15"/>
           <p:cNvSpPr txBox="1"/>
           <p:nvPr>
             <p:ph type="title"/>
@@ -7263,1570 +6958,12 @@
             </a:pPr>
             <a:r>
               <a:rPr lang="en"/>
-              <a:t>Example of </a:t>
-            </a:r>
-            <a:r>
-              <a:rPr lang="en"/>
-              <a:t>Blood Pressure Feature Engineering</a:t>
-            </a:r>
-            <a:r>
-              <a:rPr lang="en"/>
-              <a:t> </a:t>
+              <a:t>Feature Engineering and Analysis</a:t>
             </a:r>
             <a:endParaRPr/>
           </a:p>
         </p:txBody>
       </p:sp>
-      <p:graphicFrame>
-        <p:nvGraphicFramePr>
-          <p:cNvPr id="80" name="Google Shape;80;p15"/>
-          <p:cNvGraphicFramePr/>
-          <p:nvPr/>
-        </p:nvGraphicFramePr>
-        <p:xfrm>
-          <a:off x="105050" y="2392450"/>
-          <a:ext cx="3000000" cy="3000000"/>
-        </p:xfrm>
-        <a:graphic>
-          <a:graphicData uri="http://schemas.openxmlformats.org/drawingml/2006/table">
-            <a:tbl>
-              <a:tblPr>
-                <a:noFill/>
-                <a:tableStyleId>{6A46A5AA-A5BF-4272-B929-E330A3E50F72}</a:tableStyleId>
-              </a:tblPr>
-              <a:tblGrid>
-                <a:gridCol w="1183550"/>
-                <a:gridCol w="967675"/>
-                <a:gridCol w="1099825"/>
-                <a:gridCol w="829375"/>
-                <a:gridCol w="986275"/>
-                <a:gridCol w="1328800"/>
-                <a:gridCol w="1260650"/>
-                <a:gridCol w="1277750"/>
-              </a:tblGrid>
-              <a:tr h="381000">
-                <a:tc>
-                  <a:txBody>
-                    <a:bodyPr>
-                      <a:noAutofit/>
-                    </a:bodyPr>
-                    <a:lstStyle/>
-                    <a:p>
-                      <a:pPr indent="0" lvl="0" marL="0" rtl="0" algn="l">
-                        <a:spcBef>
-                          <a:spcPts val="0"/>
-                        </a:spcBef>
-                        <a:spcAft>
-                          <a:spcPts val="0"/>
-                        </a:spcAft>
-                        <a:buNone/>
-                      </a:pPr>
-                      <a:r>
-                        <a:rPr lang="en"/>
-                        <a:t>DonorBP</a:t>
-                      </a:r>
-                      <a:endParaRPr/>
-                    </a:p>
-                  </a:txBody>
-                  <a:tcPr marT="91425" marB="91425" marR="91425" marL="91425"/>
-                </a:tc>
-                <a:tc>
-                  <a:txBody>
-                    <a:bodyPr>
-                      <a:noAutofit/>
-                    </a:bodyPr>
-                    <a:lstStyle/>
-                    <a:p>
-                      <a:pPr indent="0" lvl="0" marL="0" rtl="0" algn="l">
-                        <a:spcBef>
-                          <a:spcPts val="0"/>
-                        </a:spcBef>
-                        <a:spcAft>
-                          <a:spcPts val="0"/>
-                        </a:spcAft>
-                        <a:buNone/>
-                      </a:pPr>
-                      <a:r>
-                        <a:rPr lang="en"/>
-                        <a:t>Systolic</a:t>
-                      </a:r>
-                      <a:endParaRPr/>
-                    </a:p>
-                  </a:txBody>
-                  <a:tcPr marT="91425" marB="91425" marR="91425" marL="91425"/>
-                </a:tc>
-                <a:tc>
-                  <a:txBody>
-                    <a:bodyPr>
-                      <a:noAutofit/>
-                    </a:bodyPr>
-                    <a:lstStyle/>
-                    <a:p>
-                      <a:pPr indent="0" lvl="0" marL="0" rtl="0" algn="l">
-                        <a:lnSpc>
-                          <a:spcPct val="115000"/>
-                        </a:lnSpc>
-                        <a:spcBef>
-                          <a:spcPts val="0"/>
-                        </a:spcBef>
-                        <a:spcAft>
-                          <a:spcPts val="1600"/>
-                        </a:spcAft>
-                        <a:buNone/>
-                      </a:pPr>
-                      <a:r>
-                        <a:rPr lang="en" sz="1300">
-                          <a:latin typeface="Lato"/>
-                          <a:ea typeface="Lato"/>
-                          <a:cs typeface="Lato"/>
-                          <a:sym typeface="Lato"/>
-                        </a:rPr>
-                        <a:t>Diastolic</a:t>
-                      </a:r>
-                      <a:endParaRPr/>
-                    </a:p>
-                  </a:txBody>
-                  <a:tcPr marT="91425" marB="91425" marR="91425" marL="91425"/>
-                </a:tc>
-                <a:tc>
-                  <a:txBody>
-                    <a:bodyPr>
-                      <a:noAutofit/>
-                    </a:bodyPr>
-                    <a:lstStyle/>
-                    <a:p>
-                      <a:pPr indent="0" lvl="0" marL="0" rtl="0" algn="l">
-                        <a:spcBef>
-                          <a:spcPts val="0"/>
-                        </a:spcBef>
-                        <a:spcAft>
-                          <a:spcPts val="0"/>
-                        </a:spcAft>
-                        <a:buNone/>
-                      </a:pPr>
-                      <a:r>
-                        <a:rPr lang="en"/>
-                        <a:t>Normal</a:t>
-                      </a:r>
-                      <a:endParaRPr/>
-                    </a:p>
-                  </a:txBody>
-                  <a:tcPr marT="91425" marB="91425" marR="91425" marL="91425"/>
-                </a:tc>
-                <a:tc>
-                  <a:txBody>
-                    <a:bodyPr>
-                      <a:noAutofit/>
-                    </a:bodyPr>
-                    <a:lstStyle/>
-                    <a:p>
-                      <a:pPr indent="0" lvl="0" marL="0" rtl="0" algn="l">
-                        <a:spcBef>
-                          <a:spcPts val="0"/>
-                        </a:spcBef>
-                        <a:spcAft>
-                          <a:spcPts val="0"/>
-                        </a:spcAft>
-                        <a:buNone/>
-                      </a:pPr>
-                      <a:r>
-                        <a:rPr lang="en"/>
-                        <a:t>Elevated</a:t>
-                      </a:r>
-                      <a:endParaRPr/>
-                    </a:p>
-                  </a:txBody>
-                  <a:tcPr marT="91425" marB="91425" marR="91425" marL="91425"/>
-                </a:tc>
-                <a:tc>
-                  <a:txBody>
-                    <a:bodyPr>
-                      <a:noAutofit/>
-                    </a:bodyPr>
-                    <a:lstStyle/>
-                    <a:p>
-                      <a:pPr indent="0" lvl="0" marL="0" rtl="0" algn="l">
-                        <a:spcBef>
-                          <a:spcPts val="0"/>
-                        </a:spcBef>
-                        <a:spcAft>
-                          <a:spcPts val="0"/>
-                        </a:spcAft>
-                        <a:buNone/>
-                      </a:pPr>
-                      <a:r>
-                        <a:rPr lang="en"/>
-                        <a:t>High Stage 1</a:t>
-                      </a:r>
-                      <a:endParaRPr/>
-                    </a:p>
-                  </a:txBody>
-                  <a:tcPr marT="91425" marB="91425" marR="91425" marL="91425"/>
-                </a:tc>
-                <a:tc>
-                  <a:txBody>
-                    <a:bodyPr>
-                      <a:noAutofit/>
-                    </a:bodyPr>
-                    <a:lstStyle/>
-                    <a:p>
-                      <a:pPr indent="0" lvl="0" marL="0" rtl="0" algn="l">
-                        <a:spcBef>
-                          <a:spcPts val="0"/>
-                        </a:spcBef>
-                        <a:spcAft>
-                          <a:spcPts val="0"/>
-                        </a:spcAft>
-                        <a:buNone/>
-                      </a:pPr>
-                      <a:r>
-                        <a:rPr lang="en"/>
-                        <a:t>High Stage 2</a:t>
-                      </a:r>
-                      <a:endParaRPr/>
-                    </a:p>
-                  </a:txBody>
-                  <a:tcPr marT="91425" marB="91425" marR="91425" marL="91425"/>
-                </a:tc>
-                <a:tc>
-                  <a:txBody>
-                    <a:bodyPr>
-                      <a:noAutofit/>
-                    </a:bodyPr>
-                    <a:lstStyle/>
-                    <a:p>
-                      <a:pPr indent="0" lvl="0" marL="0" rtl="0" algn="l">
-                        <a:spcBef>
-                          <a:spcPts val="0"/>
-                        </a:spcBef>
-                        <a:spcAft>
-                          <a:spcPts val="0"/>
-                        </a:spcAft>
-                        <a:buNone/>
-                      </a:pPr>
-                      <a:r>
-                        <a:rPr lang="en"/>
-                        <a:t>High Stage 3</a:t>
-                      </a:r>
-                      <a:endParaRPr/>
-                    </a:p>
-                  </a:txBody>
-                  <a:tcPr marT="91425" marB="91425" marR="91425" marL="91425"/>
-                </a:tc>
-              </a:tr>
-              <a:tr h="381000">
-                <a:tc>
-                  <a:txBody>
-                    <a:bodyPr>
-                      <a:noAutofit/>
-                    </a:bodyPr>
-                    <a:lstStyle/>
-                    <a:p>
-                      <a:pPr indent="0" lvl="0" marL="0" rtl="0" algn="l">
-                        <a:spcBef>
-                          <a:spcPts val="0"/>
-                        </a:spcBef>
-                        <a:spcAft>
-                          <a:spcPts val="0"/>
-                        </a:spcAft>
-                        <a:buNone/>
-                      </a:pPr>
-                      <a:r>
-                        <a:rPr lang="en"/>
-                        <a:t>120/80</a:t>
-                      </a:r>
-                      <a:endParaRPr/>
-                    </a:p>
-                  </a:txBody>
-                  <a:tcPr marT="91425" marB="91425" marR="91425" marL="91425"/>
-                </a:tc>
-                <a:tc>
-                  <a:txBody>
-                    <a:bodyPr>
-                      <a:noAutofit/>
-                    </a:bodyPr>
-                    <a:lstStyle/>
-                    <a:p>
-                      <a:pPr indent="0" lvl="0" marL="0" rtl="0" algn="l">
-                        <a:spcBef>
-                          <a:spcPts val="0"/>
-                        </a:spcBef>
-                        <a:spcAft>
-                          <a:spcPts val="0"/>
-                        </a:spcAft>
-                        <a:buNone/>
-                      </a:pPr>
-                      <a:r>
-                        <a:rPr lang="en"/>
-                        <a:t>120</a:t>
-                      </a:r>
-                      <a:endParaRPr/>
-                    </a:p>
-                  </a:txBody>
-                  <a:tcPr marT="91425" marB="91425" marR="91425" marL="91425"/>
-                </a:tc>
-                <a:tc>
-                  <a:txBody>
-                    <a:bodyPr>
-                      <a:noAutofit/>
-                    </a:bodyPr>
-                    <a:lstStyle/>
-                    <a:p>
-                      <a:pPr indent="0" lvl="0" marL="0" rtl="0" algn="l">
-                        <a:spcBef>
-                          <a:spcPts val="0"/>
-                        </a:spcBef>
-                        <a:spcAft>
-                          <a:spcPts val="0"/>
-                        </a:spcAft>
-                        <a:buNone/>
-                      </a:pPr>
-                      <a:r>
-                        <a:rPr lang="en"/>
-                        <a:t>80</a:t>
-                      </a:r>
-                      <a:endParaRPr/>
-                    </a:p>
-                  </a:txBody>
-                  <a:tcPr marT="91425" marB="91425" marR="91425" marL="91425"/>
-                </a:tc>
-                <a:tc>
-                  <a:txBody>
-                    <a:bodyPr>
-                      <a:noAutofit/>
-                    </a:bodyPr>
-                    <a:lstStyle/>
-                    <a:p>
-                      <a:pPr indent="0" lvl="0" marL="0" rtl="0" algn="l">
-                        <a:spcBef>
-                          <a:spcPts val="0"/>
-                        </a:spcBef>
-                        <a:spcAft>
-                          <a:spcPts val="0"/>
-                        </a:spcAft>
-                        <a:buNone/>
-                      </a:pPr>
-                      <a:r>
-                        <a:rPr lang="en"/>
-                        <a:t>1</a:t>
-                      </a:r>
-                      <a:endParaRPr/>
-                    </a:p>
-                  </a:txBody>
-                  <a:tcPr marT="91425" marB="91425" marR="91425" marL="91425"/>
-                </a:tc>
-                <a:tc>
-                  <a:txBody>
-                    <a:bodyPr>
-                      <a:noAutofit/>
-                    </a:bodyPr>
-                    <a:lstStyle/>
-                    <a:p>
-                      <a:pPr indent="0" lvl="0" marL="0" rtl="0" algn="l">
-                        <a:spcBef>
-                          <a:spcPts val="0"/>
-                        </a:spcBef>
-                        <a:spcAft>
-                          <a:spcPts val="0"/>
-                        </a:spcAft>
-                        <a:buNone/>
-                      </a:pPr>
-                      <a:r>
-                        <a:rPr lang="en"/>
-                        <a:t>0</a:t>
-                      </a:r>
-                      <a:endParaRPr/>
-                    </a:p>
-                  </a:txBody>
-                  <a:tcPr marT="91425" marB="91425" marR="91425" marL="91425"/>
-                </a:tc>
-                <a:tc>
-                  <a:txBody>
-                    <a:bodyPr>
-                      <a:noAutofit/>
-                    </a:bodyPr>
-                    <a:lstStyle/>
-                    <a:p>
-                      <a:pPr indent="0" lvl="0" marL="0" rtl="0" algn="l">
-                        <a:spcBef>
-                          <a:spcPts val="0"/>
-                        </a:spcBef>
-                        <a:spcAft>
-                          <a:spcPts val="0"/>
-                        </a:spcAft>
-                        <a:buNone/>
-                      </a:pPr>
-                      <a:r>
-                        <a:rPr lang="en"/>
-                        <a:t>0</a:t>
-                      </a:r>
-                      <a:endParaRPr/>
-                    </a:p>
-                  </a:txBody>
-                  <a:tcPr marT="91425" marB="91425" marR="91425" marL="91425"/>
-                </a:tc>
-                <a:tc>
-                  <a:txBody>
-                    <a:bodyPr>
-                      <a:noAutofit/>
-                    </a:bodyPr>
-                    <a:lstStyle/>
-                    <a:p>
-                      <a:pPr indent="0" lvl="0" marL="0" rtl="0" algn="l">
-                        <a:spcBef>
-                          <a:spcPts val="0"/>
-                        </a:spcBef>
-                        <a:spcAft>
-                          <a:spcPts val="0"/>
-                        </a:spcAft>
-                        <a:buNone/>
-                      </a:pPr>
-                      <a:r>
-                        <a:rPr lang="en"/>
-                        <a:t>0</a:t>
-                      </a:r>
-                      <a:endParaRPr/>
-                    </a:p>
-                  </a:txBody>
-                  <a:tcPr marT="91425" marB="91425" marR="91425" marL="91425"/>
-                </a:tc>
-                <a:tc>
-                  <a:txBody>
-                    <a:bodyPr>
-                      <a:noAutofit/>
-                    </a:bodyPr>
-                    <a:lstStyle/>
-                    <a:p>
-                      <a:pPr indent="0" lvl="0" marL="0" rtl="0" algn="l">
-                        <a:spcBef>
-                          <a:spcPts val="0"/>
-                        </a:spcBef>
-                        <a:spcAft>
-                          <a:spcPts val="0"/>
-                        </a:spcAft>
-                        <a:buNone/>
-                      </a:pPr>
-                      <a:r>
-                        <a:rPr lang="en"/>
-                        <a:t>0</a:t>
-                      </a:r>
-                      <a:endParaRPr/>
-                    </a:p>
-                  </a:txBody>
-                  <a:tcPr marT="91425" marB="91425" marR="91425" marL="91425"/>
-                </a:tc>
-              </a:tr>
-              <a:tr h="381000">
-                <a:tc>
-                  <a:txBody>
-                    <a:bodyPr>
-                      <a:noAutofit/>
-                    </a:bodyPr>
-                    <a:lstStyle/>
-                    <a:p>
-                      <a:pPr indent="0" lvl="0" marL="0" rtl="0" algn="l">
-                        <a:spcBef>
-                          <a:spcPts val="0"/>
-                        </a:spcBef>
-                        <a:spcAft>
-                          <a:spcPts val="0"/>
-                        </a:spcAft>
-                        <a:buNone/>
-                      </a:pPr>
-                      <a:r>
-                        <a:rPr lang="en"/>
-                        <a:t>130/91</a:t>
-                      </a:r>
-                      <a:endParaRPr/>
-                    </a:p>
-                  </a:txBody>
-                  <a:tcPr marT="91425" marB="91425" marR="91425" marL="91425"/>
-                </a:tc>
-                <a:tc>
-                  <a:txBody>
-                    <a:bodyPr>
-                      <a:noAutofit/>
-                    </a:bodyPr>
-                    <a:lstStyle/>
-                    <a:p>
-                      <a:pPr indent="0" lvl="0" marL="0" rtl="0" algn="l">
-                        <a:spcBef>
-                          <a:spcPts val="0"/>
-                        </a:spcBef>
-                        <a:spcAft>
-                          <a:spcPts val="0"/>
-                        </a:spcAft>
-                        <a:buNone/>
-                      </a:pPr>
-                      <a:r>
-                        <a:rPr lang="en"/>
-                        <a:t>120</a:t>
-                      </a:r>
-                      <a:endParaRPr/>
-                    </a:p>
-                  </a:txBody>
-                  <a:tcPr marT="91425" marB="91425" marR="91425" marL="91425"/>
-                </a:tc>
-                <a:tc>
-                  <a:txBody>
-                    <a:bodyPr>
-                      <a:noAutofit/>
-                    </a:bodyPr>
-                    <a:lstStyle/>
-                    <a:p>
-                      <a:pPr indent="0" lvl="0" marL="0" rtl="0" algn="l">
-                        <a:spcBef>
-                          <a:spcPts val="0"/>
-                        </a:spcBef>
-                        <a:spcAft>
-                          <a:spcPts val="0"/>
-                        </a:spcAft>
-                        <a:buNone/>
-                      </a:pPr>
-                      <a:r>
-                        <a:rPr lang="en"/>
-                        <a:t>91</a:t>
-                      </a:r>
-                      <a:endParaRPr/>
-                    </a:p>
-                  </a:txBody>
-                  <a:tcPr marT="91425" marB="91425" marR="91425" marL="91425"/>
-                </a:tc>
-                <a:tc>
-                  <a:txBody>
-                    <a:bodyPr>
-                      <a:noAutofit/>
-                    </a:bodyPr>
-                    <a:lstStyle/>
-                    <a:p>
-                      <a:pPr indent="0" lvl="0" marL="0" rtl="0" algn="l">
-                        <a:spcBef>
-                          <a:spcPts val="0"/>
-                        </a:spcBef>
-                        <a:spcAft>
-                          <a:spcPts val="0"/>
-                        </a:spcAft>
-                        <a:buNone/>
-                      </a:pPr>
-                      <a:r>
-                        <a:rPr lang="en"/>
-                        <a:t>0</a:t>
-                      </a:r>
-                      <a:endParaRPr/>
-                    </a:p>
-                  </a:txBody>
-                  <a:tcPr marT="91425" marB="91425" marR="91425" marL="91425"/>
-                </a:tc>
-                <a:tc>
-                  <a:txBody>
-                    <a:bodyPr>
-                      <a:noAutofit/>
-                    </a:bodyPr>
-                    <a:lstStyle/>
-                    <a:p>
-                      <a:pPr indent="0" lvl="0" marL="0" rtl="0" algn="l">
-                        <a:spcBef>
-                          <a:spcPts val="0"/>
-                        </a:spcBef>
-                        <a:spcAft>
-                          <a:spcPts val="0"/>
-                        </a:spcAft>
-                        <a:buNone/>
-                      </a:pPr>
-                      <a:r>
-                        <a:rPr lang="en"/>
-                        <a:t>1</a:t>
-                      </a:r>
-                      <a:endParaRPr/>
-                    </a:p>
-                  </a:txBody>
-                  <a:tcPr marT="91425" marB="91425" marR="91425" marL="91425"/>
-                </a:tc>
-                <a:tc>
-                  <a:txBody>
-                    <a:bodyPr>
-                      <a:noAutofit/>
-                    </a:bodyPr>
-                    <a:lstStyle/>
-                    <a:p>
-                      <a:pPr indent="0" lvl="0" marL="0" rtl="0" algn="l">
-                        <a:spcBef>
-                          <a:spcPts val="0"/>
-                        </a:spcBef>
-                        <a:spcAft>
-                          <a:spcPts val="0"/>
-                        </a:spcAft>
-                        <a:buNone/>
-                      </a:pPr>
-                      <a:r>
-                        <a:rPr lang="en"/>
-                        <a:t>0</a:t>
-                      </a:r>
-                      <a:endParaRPr/>
-                    </a:p>
-                  </a:txBody>
-                  <a:tcPr marT="91425" marB="91425" marR="91425" marL="91425"/>
-                </a:tc>
-                <a:tc>
-                  <a:txBody>
-                    <a:bodyPr>
-                      <a:noAutofit/>
-                    </a:bodyPr>
-                    <a:lstStyle/>
-                    <a:p>
-                      <a:pPr indent="0" lvl="0" marL="0" rtl="0" algn="l">
-                        <a:spcBef>
-                          <a:spcPts val="0"/>
-                        </a:spcBef>
-                        <a:spcAft>
-                          <a:spcPts val="0"/>
-                        </a:spcAft>
-                        <a:buNone/>
-                      </a:pPr>
-                      <a:r>
-                        <a:rPr lang="en"/>
-                        <a:t>0</a:t>
-                      </a:r>
-                      <a:endParaRPr/>
-                    </a:p>
-                  </a:txBody>
-                  <a:tcPr marT="91425" marB="91425" marR="91425" marL="91425"/>
-                </a:tc>
-                <a:tc>
-                  <a:txBody>
-                    <a:bodyPr>
-                      <a:noAutofit/>
-                    </a:bodyPr>
-                    <a:lstStyle/>
-                    <a:p>
-                      <a:pPr indent="0" lvl="0" marL="0" rtl="0" algn="l">
-                        <a:spcBef>
-                          <a:spcPts val="0"/>
-                        </a:spcBef>
-                        <a:spcAft>
-                          <a:spcPts val="0"/>
-                        </a:spcAft>
-                        <a:buNone/>
-                      </a:pPr>
-                      <a:r>
-                        <a:rPr lang="en"/>
-                        <a:t>0</a:t>
-                      </a:r>
-                      <a:endParaRPr/>
-                    </a:p>
-                  </a:txBody>
-                  <a:tcPr marT="91425" marB="91425" marR="91425" marL="91425"/>
-                </a:tc>
-              </a:tr>
-            </a:tbl>
-          </a:graphicData>
-        </a:graphic>
-      </p:graphicFrame>
-    </p:spTree>
-  </p:cSld>
-  <p:clrMapOvr>
-    <a:masterClrMapping/>
-  </p:clrMapOvr>
-</p:sld>
-</file>
-
-<file path=ppt/slides/slide4.xml><?xml version="1.0" encoding="utf-8"?>
-<p:sld xmlns:a="http://schemas.openxmlformats.org/drawingml/2006/main" xmlns:r="http://schemas.openxmlformats.org/officeDocument/2006/relationships" xmlns:mc="http://schemas.openxmlformats.org/markup-compatibility/2006" xmlns:mv="urn:schemas-microsoft-com:mac:vml" xmlns:p="http://schemas.openxmlformats.org/presentationml/2006/main" xmlns:c="http://schemas.openxmlformats.org/drawingml/2006/chart" xmlns:dgm="http://schemas.openxmlformats.org/drawingml/2006/diagram" xmlns:o="urn:schemas-microsoft-com:office:office" xmlns:v="urn:schemas-microsoft-com:vml" xmlns:pvml="urn:schemas-microsoft-com:office:powerpoint" xmlns:com="http://schemas.openxmlformats.org/drawingml/2006/compatibility" xmlns:p14="http://schemas.microsoft.com/office/powerpoint/2010/main" xmlns:p15="http://schemas.microsoft.com/office/powerpoint/2012/main">
-  <p:cSld>
-    <p:spTree>
-      <p:nvGrpSpPr>
-        <p:cNvPr id="84" name="Shape 84"/>
-        <p:cNvGrpSpPr/>
-        <p:nvPr/>
-      </p:nvGrpSpPr>
-      <p:grpSpPr>
-        <a:xfrm>
-          <a:off x="0" y="0"/>
-          <a:ext cx="0" cy="0"/>
-          <a:chOff x="0" y="0"/>
-          <a:chExt cx="0" cy="0"/>
-        </a:xfrm>
-      </p:grpSpPr>
-      <p:sp>
-        <p:nvSpPr>
-          <p:cNvPr id="85" name="Google Shape;85;p16"/>
-          <p:cNvSpPr txBox="1"/>
-          <p:nvPr>
-            <p:ph type="title"/>
-          </p:nvPr>
-        </p:nvSpPr>
-        <p:spPr>
-          <a:xfrm>
-            <a:off x="311700" y="389000"/>
-            <a:ext cx="8520600" cy="707400"/>
-          </a:xfrm>
-          <a:prstGeom prst="rect">
-            <a:avLst/>
-          </a:prstGeom>
-        </p:spPr>
-        <p:txBody>
-          <a:bodyPr anchorCtr="0" anchor="t" bIns="91425" lIns="91425" spcFirstLastPara="1" rIns="91425" wrap="square" tIns="91425">
-            <a:noAutofit/>
-          </a:bodyPr>
-          <a:lstStyle/>
-          <a:p>
-            <a:pPr indent="0" lvl="0" marL="0" rtl="0" algn="l">
-              <a:spcBef>
-                <a:spcPts val="0"/>
-              </a:spcBef>
-              <a:spcAft>
-                <a:spcPts val="0"/>
-              </a:spcAft>
-              <a:buNone/>
-            </a:pPr>
-            <a:r>
-              <a:rPr lang="en" sz="3000"/>
-              <a:t>The E</a:t>
-            </a:r>
-            <a:r>
-              <a:rPr lang="en" sz="3000"/>
-              <a:t>ffect</a:t>
-            </a:r>
-            <a:r>
-              <a:rPr lang="en" sz="3000"/>
-              <a:t> of S</a:t>
-            </a:r>
-            <a:r>
-              <a:rPr lang="en" sz="3000"/>
-              <a:t>easonal</a:t>
-            </a:r>
-            <a:r>
-              <a:rPr lang="en" sz="3000"/>
-              <a:t> and Cultural Change over Time</a:t>
-            </a:r>
-            <a:endParaRPr sz="3000"/>
-          </a:p>
-        </p:txBody>
-      </p:sp>
-      <p:sp>
-        <p:nvSpPr>
-          <p:cNvPr id="86" name="Google Shape;86;p16"/>
-          <p:cNvSpPr txBox="1"/>
-          <p:nvPr/>
-        </p:nvSpPr>
-        <p:spPr>
-          <a:xfrm>
-            <a:off x="1764900" y="3944475"/>
-            <a:ext cx="5614200" cy="1154100"/>
-          </a:xfrm>
-          <a:prstGeom prst="rect">
-            <a:avLst/>
-          </a:prstGeom>
-          <a:noFill/>
-          <a:ln>
-            <a:noFill/>
-          </a:ln>
-        </p:spPr>
-        <p:txBody>
-          <a:bodyPr anchorCtr="0" anchor="t" bIns="91425" lIns="91425" spcFirstLastPara="1" rIns="91425" wrap="square" tIns="91425">
-            <a:noAutofit/>
-          </a:bodyPr>
-          <a:lstStyle/>
-          <a:p>
-            <a:pPr indent="0" lvl="0" marL="0" rtl="0" algn="l">
-              <a:spcBef>
-                <a:spcPts val="0"/>
-              </a:spcBef>
-              <a:spcAft>
-                <a:spcPts val="0"/>
-              </a:spcAft>
-              <a:buNone/>
-            </a:pPr>
-            <a:r>
-              <a:rPr lang="en">
-                <a:latin typeface="Open Sans"/>
-                <a:ea typeface="Open Sans"/>
-                <a:cs typeface="Open Sans"/>
-                <a:sym typeface="Open Sans"/>
-              </a:rPr>
-              <a:t>As we can see, over time there are certain peaks and troughs that look cyclical</a:t>
-            </a:r>
-            <a:endParaRPr>
-              <a:latin typeface="Open Sans"/>
-              <a:ea typeface="Open Sans"/>
-              <a:cs typeface="Open Sans"/>
-              <a:sym typeface="Open Sans"/>
-            </a:endParaRPr>
-          </a:p>
-        </p:txBody>
-      </p:sp>
-      <p:pic>
-        <p:nvPicPr>
-          <p:cNvPr id="87" name="Google Shape;87;p16"/>
-          <p:cNvPicPr preferRelativeResize="0"/>
-          <p:nvPr/>
-        </p:nvPicPr>
-        <p:blipFill>
-          <a:blip r:embed="rId3">
-            <a:alphaModFix/>
-          </a:blip>
-          <a:stretch>
-            <a:fillRect/>
-          </a:stretch>
-        </p:blipFill>
-        <p:spPr>
-          <a:xfrm>
-            <a:off x="1292038" y="1096400"/>
-            <a:ext cx="6559925" cy="2795450"/>
-          </a:xfrm>
-          <a:prstGeom prst="rect">
-            <a:avLst/>
-          </a:prstGeom>
-          <a:noFill/>
-          <a:ln>
-            <a:noFill/>
-          </a:ln>
-        </p:spPr>
-      </p:pic>
-    </p:spTree>
-  </p:cSld>
-  <p:clrMapOvr>
-    <a:masterClrMapping/>
-  </p:clrMapOvr>
-</p:sld>
-</file>
-
-<file path=ppt/slides/slide5.xml><?xml version="1.0" encoding="utf-8"?>
-<p:sld xmlns:a="http://schemas.openxmlformats.org/drawingml/2006/main" xmlns:r="http://schemas.openxmlformats.org/officeDocument/2006/relationships" xmlns:mc="http://schemas.openxmlformats.org/markup-compatibility/2006" xmlns:mv="urn:schemas-microsoft-com:mac:vml" xmlns:p="http://schemas.openxmlformats.org/presentationml/2006/main" xmlns:c="http://schemas.openxmlformats.org/drawingml/2006/chart" xmlns:dgm="http://schemas.openxmlformats.org/drawingml/2006/diagram" xmlns:o="urn:schemas-microsoft-com:office:office" xmlns:v="urn:schemas-microsoft-com:vml" xmlns:pvml="urn:schemas-microsoft-com:office:powerpoint" xmlns:com="http://schemas.openxmlformats.org/drawingml/2006/compatibility" xmlns:p14="http://schemas.microsoft.com/office/powerpoint/2010/main" xmlns:p15="http://schemas.microsoft.com/office/powerpoint/2012/main">
-  <p:cSld>
-    <p:spTree>
-      <p:nvGrpSpPr>
-        <p:cNvPr id="91" name="Shape 91"/>
-        <p:cNvGrpSpPr/>
-        <p:nvPr/>
-      </p:nvGrpSpPr>
-      <p:grpSpPr>
-        <a:xfrm>
-          <a:off x="0" y="0"/>
-          <a:ext cx="0" cy="0"/>
-          <a:chOff x="0" y="0"/>
-          <a:chExt cx="0" cy="0"/>
-        </a:xfrm>
-      </p:grpSpPr>
-      <p:sp>
-        <p:nvSpPr>
-          <p:cNvPr id="92" name="Google Shape;92;p17"/>
-          <p:cNvSpPr txBox="1"/>
-          <p:nvPr>
-            <p:ph type="title"/>
-          </p:nvPr>
-        </p:nvSpPr>
-        <p:spPr>
-          <a:xfrm>
-            <a:off x="311700" y="445025"/>
-            <a:ext cx="8520600" cy="707400"/>
-          </a:xfrm>
-          <a:prstGeom prst="rect">
-            <a:avLst/>
-          </a:prstGeom>
-        </p:spPr>
-        <p:txBody>
-          <a:bodyPr anchorCtr="0" anchor="t" bIns="91425" lIns="91425" spcFirstLastPara="1" rIns="91425" wrap="square" tIns="91425">
-            <a:noAutofit/>
-          </a:bodyPr>
-          <a:lstStyle/>
-          <a:p>
-            <a:pPr indent="0" lvl="0" marL="0" rtl="0" algn="l">
-              <a:spcBef>
-                <a:spcPts val="0"/>
-              </a:spcBef>
-              <a:spcAft>
-                <a:spcPts val="0"/>
-              </a:spcAft>
-              <a:buNone/>
-            </a:pPr>
-            <a:r>
-              <a:rPr lang="en"/>
-              <a:t>Example of Seasonal</a:t>
-            </a:r>
-            <a:endParaRPr/>
-          </a:p>
-        </p:txBody>
-      </p:sp>
-      <p:pic>
-        <p:nvPicPr>
-          <p:cNvPr id="93" name="Google Shape;93;p17"/>
-          <p:cNvPicPr preferRelativeResize="0"/>
-          <p:nvPr/>
-        </p:nvPicPr>
-        <p:blipFill>
-          <a:blip r:embed="rId3">
-            <a:alphaModFix/>
-          </a:blip>
-          <a:stretch>
-            <a:fillRect/>
-          </a:stretch>
-        </p:blipFill>
-        <p:spPr>
-          <a:xfrm>
-            <a:off x="135200" y="1755600"/>
-            <a:ext cx="2756865" cy="2230424"/>
-          </a:xfrm>
-          <a:prstGeom prst="rect">
-            <a:avLst/>
-          </a:prstGeom>
-          <a:noFill/>
-          <a:ln>
-            <a:noFill/>
-          </a:ln>
-        </p:spPr>
-      </p:pic>
-      <p:pic>
-        <p:nvPicPr>
-          <p:cNvPr id="94" name="Google Shape;94;p17"/>
-          <p:cNvPicPr preferRelativeResize="0"/>
-          <p:nvPr/>
-        </p:nvPicPr>
-        <p:blipFill>
-          <a:blip r:embed="rId4">
-            <a:alphaModFix/>
-          </a:blip>
-          <a:stretch>
-            <a:fillRect/>
-          </a:stretch>
-        </p:blipFill>
-        <p:spPr>
-          <a:xfrm>
-            <a:off x="3174613" y="1802462"/>
-            <a:ext cx="2843437" cy="2230424"/>
-          </a:xfrm>
-          <a:prstGeom prst="rect">
-            <a:avLst/>
-          </a:prstGeom>
-          <a:noFill/>
-          <a:ln>
-            <a:noFill/>
-          </a:ln>
-        </p:spPr>
-      </p:pic>
-      <p:pic>
-        <p:nvPicPr>
-          <p:cNvPr id="95" name="Google Shape;95;p17"/>
-          <p:cNvPicPr preferRelativeResize="0"/>
-          <p:nvPr/>
-        </p:nvPicPr>
-        <p:blipFill>
-          <a:blip r:embed="rId5">
-            <a:alphaModFix/>
-          </a:blip>
-          <a:stretch>
-            <a:fillRect/>
-          </a:stretch>
-        </p:blipFill>
-        <p:spPr>
-          <a:xfrm>
-            <a:off x="6300574" y="1753945"/>
-            <a:ext cx="2843424" cy="2232081"/>
-          </a:xfrm>
-          <a:prstGeom prst="rect">
-            <a:avLst/>
-          </a:prstGeom>
-          <a:noFill/>
-          <a:ln>
-            <a:noFill/>
-          </a:ln>
-        </p:spPr>
-      </p:pic>
-    </p:spTree>
-  </p:cSld>
-  <p:clrMapOvr>
-    <a:masterClrMapping/>
-  </p:clrMapOvr>
-</p:sld>
-</file>
-
-<file path=ppt/slides/slide6.xml><?xml version="1.0" encoding="utf-8"?>
-<p:sld xmlns:a="http://schemas.openxmlformats.org/drawingml/2006/main" xmlns:r="http://schemas.openxmlformats.org/officeDocument/2006/relationships" xmlns:mc="http://schemas.openxmlformats.org/markup-compatibility/2006" xmlns:mv="urn:schemas-microsoft-com:mac:vml" xmlns:p="http://schemas.openxmlformats.org/presentationml/2006/main" xmlns:c="http://schemas.openxmlformats.org/drawingml/2006/chart" xmlns:dgm="http://schemas.openxmlformats.org/drawingml/2006/diagram" xmlns:o="urn:schemas-microsoft-com:office:office" xmlns:v="urn:schemas-microsoft-com:vml" xmlns:pvml="urn:schemas-microsoft-com:office:powerpoint" xmlns:com="http://schemas.openxmlformats.org/drawingml/2006/compatibility" xmlns:p14="http://schemas.microsoft.com/office/powerpoint/2010/main" xmlns:p15="http://schemas.microsoft.com/office/powerpoint/2012/main">
-  <p:cSld>
-    <p:spTree>
-      <p:nvGrpSpPr>
-        <p:cNvPr id="99" name="Shape 99"/>
-        <p:cNvGrpSpPr/>
-        <p:nvPr/>
-      </p:nvGrpSpPr>
-      <p:grpSpPr>
-        <a:xfrm>
-          <a:off x="0" y="0"/>
-          <a:ext cx="0" cy="0"/>
-          <a:chOff x="0" y="0"/>
-          <a:chExt cx="0" cy="0"/>
-        </a:xfrm>
-      </p:grpSpPr>
-      <p:sp>
-        <p:nvSpPr>
-          <p:cNvPr id="100" name="Google Shape;100;p18"/>
-          <p:cNvSpPr txBox="1"/>
-          <p:nvPr>
-            <p:ph type="title"/>
-          </p:nvPr>
-        </p:nvSpPr>
-        <p:spPr>
-          <a:xfrm>
-            <a:off x="311700" y="445025"/>
-            <a:ext cx="8520600" cy="707400"/>
-          </a:xfrm>
-          <a:prstGeom prst="rect">
-            <a:avLst/>
-          </a:prstGeom>
-        </p:spPr>
-        <p:txBody>
-          <a:bodyPr anchorCtr="0" anchor="t" bIns="91425" lIns="91425" spcFirstLastPara="1" rIns="91425" wrap="square" tIns="91425">
-            <a:noAutofit/>
-          </a:bodyPr>
-          <a:lstStyle/>
-          <a:p>
-            <a:pPr indent="0" lvl="0" marL="0" rtl="0" algn="l">
-              <a:spcBef>
-                <a:spcPts val="0"/>
-              </a:spcBef>
-              <a:spcAft>
-                <a:spcPts val="0"/>
-              </a:spcAft>
-              <a:buNone/>
-            </a:pPr>
-            <a:r>
-              <a:rPr lang="en"/>
-              <a:t>Cultural Holidays (Ramadan/Ramzan)</a:t>
-            </a:r>
-            <a:endParaRPr/>
-          </a:p>
-        </p:txBody>
-      </p:sp>
-      <p:sp>
-        <p:nvSpPr>
-          <p:cNvPr id="101" name="Google Shape;101;p18"/>
-          <p:cNvSpPr txBox="1"/>
-          <p:nvPr>
-            <p:ph idx="1" type="body"/>
-          </p:nvPr>
-        </p:nvSpPr>
-        <p:spPr>
-          <a:xfrm>
-            <a:off x="5289175" y="1152425"/>
-            <a:ext cx="3543000" cy="3416700"/>
-          </a:xfrm>
-          <a:prstGeom prst="rect">
-            <a:avLst/>
-          </a:prstGeom>
-        </p:spPr>
-        <p:txBody>
-          <a:bodyPr anchorCtr="0" anchor="t" bIns="91425" lIns="91425" spcFirstLastPara="1" rIns="91425" wrap="square" tIns="91425">
-            <a:noAutofit/>
-          </a:bodyPr>
-          <a:lstStyle/>
-          <a:p>
-            <a:pPr indent="0" lvl="0" marL="0" rtl="0" algn="l">
-              <a:spcBef>
-                <a:spcPts val="0"/>
-              </a:spcBef>
-              <a:spcAft>
-                <a:spcPts val="1600"/>
-              </a:spcAft>
-              <a:buNone/>
-            </a:pPr>
-            <a:r>
-              <a:rPr lang="en"/>
-              <a:t>Because of the harsh weather conditions and the importance of Ramadan in Pakistan we can assume people will be donating less during the holy month to maintain their own health first. We calculate this using recorded dates of Ramadan and we can calculate future ones.</a:t>
-            </a:r>
-            <a:endParaRPr/>
-          </a:p>
-        </p:txBody>
-      </p:sp>
-      <p:pic>
-        <p:nvPicPr>
-          <p:cNvPr id="102" name="Google Shape;102;p18"/>
-          <p:cNvPicPr preferRelativeResize="0"/>
-          <p:nvPr/>
-        </p:nvPicPr>
-        <p:blipFill rotWithShape="1">
-          <a:blip r:embed="rId3">
-            <a:alphaModFix/>
-          </a:blip>
-          <a:srcRect b="0" l="0" r="49413" t="0"/>
-          <a:stretch/>
-        </p:blipFill>
-        <p:spPr>
-          <a:xfrm>
-            <a:off x="719000" y="1228625"/>
-            <a:ext cx="3853008" cy="3264299"/>
-          </a:xfrm>
-          <a:prstGeom prst="rect">
-            <a:avLst/>
-          </a:prstGeom>
-          <a:noFill/>
-          <a:ln>
-            <a:noFill/>
-          </a:ln>
-        </p:spPr>
-      </p:pic>
-    </p:spTree>
-  </p:cSld>
-  <p:clrMapOvr>
-    <a:masterClrMapping/>
-  </p:clrMapOvr>
-</p:sld>
-</file>
-
-<file path=ppt/slides/slide7.xml><?xml version="1.0" encoding="utf-8"?>
-<p:sld xmlns:a="http://schemas.openxmlformats.org/drawingml/2006/main" xmlns:r="http://schemas.openxmlformats.org/officeDocument/2006/relationships" xmlns:mc="http://schemas.openxmlformats.org/markup-compatibility/2006" xmlns:mv="urn:schemas-microsoft-com:mac:vml" xmlns:p="http://schemas.openxmlformats.org/presentationml/2006/main" xmlns:c="http://schemas.openxmlformats.org/drawingml/2006/chart" xmlns:dgm="http://schemas.openxmlformats.org/drawingml/2006/diagram" xmlns:o="urn:schemas-microsoft-com:office:office" xmlns:v="urn:schemas-microsoft-com:vml" xmlns:pvml="urn:schemas-microsoft-com:office:powerpoint" xmlns:com="http://schemas.openxmlformats.org/drawingml/2006/compatibility" xmlns:p14="http://schemas.microsoft.com/office/powerpoint/2010/main" xmlns:p15="http://schemas.microsoft.com/office/powerpoint/2012/main">
-  <p:cSld>
-    <p:spTree>
-      <p:nvGrpSpPr>
-        <p:cNvPr id="106" name="Shape 106"/>
-        <p:cNvGrpSpPr/>
-        <p:nvPr/>
-      </p:nvGrpSpPr>
-      <p:grpSpPr>
-        <a:xfrm>
-          <a:off x="0" y="0"/>
-          <a:ext cx="0" cy="0"/>
-          <a:chOff x="0" y="0"/>
-          <a:chExt cx="0" cy="0"/>
-        </a:xfrm>
-      </p:grpSpPr>
-      <p:sp>
-        <p:nvSpPr>
-          <p:cNvPr id="107" name="Google Shape;107;p19"/>
-          <p:cNvSpPr txBox="1"/>
-          <p:nvPr>
-            <p:ph type="title"/>
-          </p:nvPr>
-        </p:nvSpPr>
-        <p:spPr>
-          <a:xfrm>
-            <a:off x="311700" y="445025"/>
-            <a:ext cx="8520600" cy="707400"/>
-          </a:xfrm>
-          <a:prstGeom prst="rect">
-            <a:avLst/>
-          </a:prstGeom>
-        </p:spPr>
-        <p:txBody>
-          <a:bodyPr anchorCtr="0" anchor="t" bIns="91425" lIns="91425" spcFirstLastPara="1" rIns="91425" wrap="square" tIns="91425">
-            <a:noAutofit/>
-          </a:bodyPr>
-          <a:lstStyle/>
-          <a:p>
-            <a:pPr indent="0" lvl="0" marL="0" rtl="0" algn="l">
-              <a:spcBef>
-                <a:spcPts val="0"/>
-              </a:spcBef>
-              <a:spcAft>
-                <a:spcPts val="0"/>
-              </a:spcAft>
-              <a:buNone/>
-            </a:pPr>
-            <a:r>
-              <a:rPr lang="en"/>
-              <a:t>Feature Engineering Age</a:t>
-            </a:r>
-            <a:endParaRPr/>
-          </a:p>
-        </p:txBody>
-      </p:sp>
-      <p:sp>
-        <p:nvSpPr>
-          <p:cNvPr id="108" name="Google Shape;108;p19"/>
-          <p:cNvSpPr txBox="1"/>
-          <p:nvPr>
-            <p:ph idx="1" type="body"/>
-          </p:nvPr>
-        </p:nvSpPr>
-        <p:spPr>
-          <a:xfrm>
-            <a:off x="4482350" y="1232650"/>
-            <a:ext cx="4350000" cy="3336600"/>
-          </a:xfrm>
-          <a:prstGeom prst="rect">
-            <a:avLst/>
-          </a:prstGeom>
-        </p:spPr>
-        <p:txBody>
-          <a:bodyPr anchorCtr="0" anchor="t" bIns="91425" lIns="91425" spcFirstLastPara="1" rIns="91425" wrap="square" tIns="91425">
-            <a:noAutofit/>
-          </a:bodyPr>
-          <a:lstStyle/>
-          <a:p>
-            <a:pPr indent="0" lvl="0" marL="0" rtl="0" algn="l">
-              <a:spcBef>
-                <a:spcPts val="0"/>
-              </a:spcBef>
-              <a:spcAft>
-                <a:spcPts val="1600"/>
-              </a:spcAft>
-              <a:buNone/>
-            </a:pPr>
-            <a:r>
-              <a:rPr lang="en"/>
-              <a:t>Age can be used as a </a:t>
-            </a:r>
-            <a:r>
-              <a:rPr lang="en"/>
-              <a:t>reliable</a:t>
-            </a:r>
-            <a:r>
-              <a:rPr lang="en"/>
-              <a:t> feature as probabilistic tool for predicting blood diseases. This comes with the assumption that people of different age group </a:t>
-            </a:r>
-            <a:r>
-              <a:rPr lang="en"/>
-              <a:t>participate</a:t>
-            </a:r>
-            <a:r>
-              <a:rPr lang="en"/>
-              <a:t> in different activities, live different </a:t>
-            </a:r>
-            <a:r>
-              <a:rPr lang="en"/>
-              <a:t>lifestyles</a:t>
-            </a:r>
-            <a:r>
-              <a:rPr lang="en"/>
-              <a:t>, take different medications which can lead to blood diseases.</a:t>
-            </a:r>
-            <a:endParaRPr/>
-          </a:p>
-        </p:txBody>
-      </p:sp>
-      <p:pic>
-        <p:nvPicPr>
-          <p:cNvPr id="109" name="Google Shape;109;p19"/>
-          <p:cNvPicPr preferRelativeResize="0"/>
-          <p:nvPr/>
-        </p:nvPicPr>
-        <p:blipFill>
-          <a:blip r:embed="rId3">
-            <a:alphaModFix/>
-          </a:blip>
-          <a:stretch>
-            <a:fillRect/>
-          </a:stretch>
-        </p:blipFill>
-        <p:spPr>
-          <a:xfrm>
-            <a:off x="152400" y="1304825"/>
-            <a:ext cx="4177550" cy="3381111"/>
-          </a:xfrm>
-          <a:prstGeom prst="rect">
-            <a:avLst/>
-          </a:prstGeom>
-          <a:noFill/>
-          <a:ln>
-            <a:noFill/>
-          </a:ln>
-        </p:spPr>
-      </p:pic>
-    </p:spTree>
-  </p:cSld>
-  <p:clrMapOvr>
-    <a:masterClrMapping/>
-  </p:clrMapOvr>
-</p:sld>
-</file>
-
-<file path=ppt/slides/slide8.xml><?xml version="1.0" encoding="utf-8"?>
-<p:sld xmlns:a="http://schemas.openxmlformats.org/drawingml/2006/main" xmlns:r="http://schemas.openxmlformats.org/officeDocument/2006/relationships" xmlns:mc="http://schemas.openxmlformats.org/markup-compatibility/2006" xmlns:mv="urn:schemas-microsoft-com:mac:vml" xmlns:p="http://schemas.openxmlformats.org/presentationml/2006/main" xmlns:c="http://schemas.openxmlformats.org/drawingml/2006/chart" xmlns:dgm="http://schemas.openxmlformats.org/drawingml/2006/diagram" xmlns:o="urn:schemas-microsoft-com:office:office" xmlns:v="urn:schemas-microsoft-com:vml" xmlns:pvml="urn:schemas-microsoft-com:office:powerpoint" xmlns:com="http://schemas.openxmlformats.org/drawingml/2006/compatibility" xmlns:p14="http://schemas.microsoft.com/office/powerpoint/2010/main" xmlns:p15="http://schemas.microsoft.com/office/powerpoint/2012/main">
-  <p:cSld>
-    <p:spTree>
-      <p:nvGrpSpPr>
-        <p:cNvPr id="113" name="Shape 113"/>
-        <p:cNvGrpSpPr/>
-        <p:nvPr/>
-      </p:nvGrpSpPr>
-      <p:grpSpPr>
-        <a:xfrm>
-          <a:off x="0" y="0"/>
-          <a:ext cx="0" cy="0"/>
-          <a:chOff x="0" y="0"/>
-          <a:chExt cx="0" cy="0"/>
-        </a:xfrm>
-      </p:grpSpPr>
-      <p:sp>
-        <p:nvSpPr>
-          <p:cNvPr id="114" name="Google Shape;114;p20"/>
-          <p:cNvSpPr txBox="1"/>
-          <p:nvPr>
-            <p:ph type="title"/>
-          </p:nvPr>
-        </p:nvSpPr>
-        <p:spPr>
-          <a:xfrm>
-            <a:off x="311700" y="445025"/>
-            <a:ext cx="8520600" cy="707400"/>
-          </a:xfrm>
-          <a:prstGeom prst="rect">
-            <a:avLst/>
-          </a:prstGeom>
-        </p:spPr>
-        <p:txBody>
-          <a:bodyPr anchorCtr="0" anchor="t" bIns="91425" lIns="91425" spcFirstLastPara="1" rIns="91425" wrap="square" tIns="91425">
-            <a:noAutofit/>
-          </a:bodyPr>
-          <a:lstStyle/>
-          <a:p>
-            <a:pPr indent="0" lvl="0" marL="0" rtl="0" algn="l">
-              <a:spcBef>
-                <a:spcPts val="0"/>
-              </a:spcBef>
-              <a:spcAft>
-                <a:spcPts val="0"/>
-              </a:spcAft>
-              <a:buNone/>
-            </a:pPr>
-            <a:r>
-              <a:rPr lang="en"/>
-              <a:t>Feature Analysis Based off Location</a:t>
-            </a:r>
-            <a:endParaRPr/>
-          </a:p>
-        </p:txBody>
-      </p:sp>
-      <p:sp>
-        <p:nvSpPr>
-          <p:cNvPr id="115" name="Google Shape;115;p20"/>
-          <p:cNvSpPr txBox="1"/>
-          <p:nvPr>
-            <p:ph idx="1" type="body"/>
-          </p:nvPr>
-        </p:nvSpPr>
-        <p:spPr>
-          <a:xfrm>
-            <a:off x="6315225" y="1266325"/>
-            <a:ext cx="2517300" cy="3302700"/>
-          </a:xfrm>
-          <a:prstGeom prst="rect">
-            <a:avLst/>
-          </a:prstGeom>
-        </p:spPr>
-        <p:txBody>
-          <a:bodyPr anchorCtr="0" anchor="t" bIns="91425" lIns="91425" spcFirstLastPara="1" rIns="91425" wrap="square" tIns="91425">
-            <a:noAutofit/>
-          </a:bodyPr>
-          <a:lstStyle/>
-          <a:p>
-            <a:pPr indent="0" lvl="0" marL="0" rtl="0" algn="l">
-              <a:spcBef>
-                <a:spcPts val="0"/>
-              </a:spcBef>
-              <a:spcAft>
-                <a:spcPts val="1600"/>
-              </a:spcAft>
-              <a:buNone/>
-            </a:pPr>
-            <a:r>
-              <a:rPr lang="en"/>
-              <a:t>Location is a great tools for disease prediction because it gives insight of the </a:t>
-            </a:r>
-            <a:r>
-              <a:rPr lang="en"/>
-              <a:t>social</a:t>
-            </a:r>
-            <a:r>
-              <a:rPr lang="en"/>
-              <a:t> groups of </a:t>
-            </a:r>
-            <a:r>
-              <a:rPr lang="en"/>
-              <a:t>transmittable</a:t>
-            </a:r>
-            <a:r>
-              <a:rPr lang="en"/>
-              <a:t> diseases.</a:t>
-            </a:r>
-            <a:endParaRPr/>
-          </a:p>
-        </p:txBody>
-      </p:sp>
-      <p:pic>
-        <p:nvPicPr>
-          <p:cNvPr id="116" name="Google Shape;116;p20"/>
-          <p:cNvPicPr preferRelativeResize="0"/>
-          <p:nvPr/>
-        </p:nvPicPr>
-        <p:blipFill>
-          <a:blip r:embed="rId3">
-            <a:alphaModFix/>
-          </a:blip>
-          <a:stretch>
-            <a:fillRect/>
-          </a:stretch>
-        </p:blipFill>
-        <p:spPr>
-          <a:xfrm>
-            <a:off x="1470575" y="1266325"/>
-            <a:ext cx="3302700" cy="3302700"/>
-          </a:xfrm>
-          <a:prstGeom prst="rect">
-            <a:avLst/>
-          </a:prstGeom>
-          <a:noFill/>
-          <a:ln>
-            <a:noFill/>
-          </a:ln>
-        </p:spPr>
-      </p:pic>
-    </p:spTree>
-  </p:cSld>
-  <p:clrMapOvr>
-    <a:masterClrMapping/>
-  </p:clrMapOvr>
-</p:sld>
-</file>
-
-<file path=ppt/slides/slide9.xml><?xml version="1.0" encoding="utf-8"?>
-<p:sld xmlns:a="http://schemas.openxmlformats.org/drawingml/2006/main" xmlns:r="http://schemas.openxmlformats.org/officeDocument/2006/relationships" xmlns:mc="http://schemas.openxmlformats.org/markup-compatibility/2006" xmlns:mv="urn:schemas-microsoft-com:mac:vml" xmlns:p="http://schemas.openxmlformats.org/presentationml/2006/main" xmlns:c="http://schemas.openxmlformats.org/drawingml/2006/chart" xmlns:dgm="http://schemas.openxmlformats.org/drawingml/2006/diagram" xmlns:o="urn:schemas-microsoft-com:office:office" xmlns:v="urn:schemas-microsoft-com:vml" xmlns:pvml="urn:schemas-microsoft-com:office:powerpoint" xmlns:com="http://schemas.openxmlformats.org/drawingml/2006/compatibility" xmlns:p14="http://schemas.microsoft.com/office/powerpoint/2010/main" xmlns:p15="http://schemas.microsoft.com/office/powerpoint/2012/main">
-  <p:cSld>
-    <p:spTree>
-      <p:nvGrpSpPr>
-        <p:cNvPr id="120" name="Shape 120"/>
-        <p:cNvGrpSpPr/>
-        <p:nvPr/>
-      </p:nvGrpSpPr>
-      <p:grpSpPr>
-        <a:xfrm>
-          <a:off x="0" y="0"/>
-          <a:ext cx="0" cy="0"/>
-          <a:chOff x="0" y="0"/>
-          <a:chExt cx="0" cy="0"/>
-        </a:xfrm>
-      </p:grpSpPr>
-      <p:sp>
-        <p:nvSpPr>
-          <p:cNvPr id="121" name="Google Shape;121;p21"/>
-          <p:cNvSpPr txBox="1"/>
-          <p:nvPr>
-            <p:ph type="title"/>
-          </p:nvPr>
-        </p:nvSpPr>
-        <p:spPr>
-          <a:xfrm>
-            <a:off x="311700" y="445025"/>
-            <a:ext cx="8520600" cy="707400"/>
-          </a:xfrm>
-          <a:prstGeom prst="rect">
-            <a:avLst/>
-          </a:prstGeom>
-        </p:spPr>
-        <p:txBody>
-          <a:bodyPr anchorCtr="0" anchor="t" bIns="91425" lIns="91425" spcFirstLastPara="1" rIns="91425" wrap="square" tIns="91425">
-            <a:noAutofit/>
-          </a:bodyPr>
-          <a:lstStyle/>
-          <a:p>
-            <a:pPr indent="0" lvl="0" marL="0" rtl="0" algn="l">
-              <a:spcBef>
-                <a:spcPts val="0"/>
-              </a:spcBef>
-              <a:spcAft>
-                <a:spcPts val="0"/>
-              </a:spcAft>
-              <a:buNone/>
-            </a:pPr>
-            <a:r>
-              <a:rPr lang="en"/>
-              <a:t>Feature Analysis Based off Gender</a:t>
-            </a:r>
-            <a:endParaRPr/>
-          </a:p>
-        </p:txBody>
-      </p:sp>
-      <p:sp>
-        <p:nvSpPr>
-          <p:cNvPr id="122" name="Google Shape;122;p21"/>
-          <p:cNvSpPr txBox="1"/>
-          <p:nvPr>
-            <p:ph idx="1" type="body"/>
-          </p:nvPr>
-        </p:nvSpPr>
-        <p:spPr>
-          <a:xfrm>
-            <a:off x="5824125" y="1266325"/>
-            <a:ext cx="3008100" cy="3302700"/>
-          </a:xfrm>
-          <a:prstGeom prst="rect">
-            <a:avLst/>
-          </a:prstGeom>
-        </p:spPr>
-        <p:txBody>
-          <a:bodyPr anchorCtr="0" anchor="t" bIns="91425" lIns="91425" spcFirstLastPara="1" rIns="91425" wrap="square" tIns="91425">
-            <a:noAutofit/>
-          </a:bodyPr>
-          <a:lstStyle/>
-          <a:p>
-            <a:pPr indent="457200" lvl="0" marL="0" rtl="0" algn="l">
-              <a:spcBef>
-                <a:spcPts val="0"/>
-              </a:spcBef>
-              <a:spcAft>
-                <a:spcPts val="1600"/>
-              </a:spcAft>
-              <a:buNone/>
-            </a:pPr>
-            <a:r>
-              <a:rPr lang="en" sz="1400"/>
-              <a:t>Different Genders are subject to different diseases as some diseases show gender bias(Ex. Lupus for women, diabetes for men). Men and Women might also be taking different medication based on gender. Most </a:t>
-            </a:r>
-            <a:r>
-              <a:rPr lang="en" sz="1400"/>
-              <a:t>importantly</a:t>
-            </a:r>
-            <a:r>
-              <a:rPr lang="en" sz="1400"/>
-              <a:t> women are </a:t>
-            </a:r>
-            <a:r>
-              <a:rPr lang="en" sz="1400"/>
-              <a:t>capable</a:t>
-            </a:r>
-            <a:r>
-              <a:rPr lang="en" sz="1400"/>
-              <a:t> of becoming </a:t>
-            </a:r>
-            <a:r>
-              <a:rPr lang="en" sz="1400"/>
-              <a:t>pregnant which completely stops them from donating blood.</a:t>
-            </a:r>
-            <a:r>
-              <a:rPr lang="en" sz="1400"/>
-              <a:t> </a:t>
-            </a:r>
-            <a:endParaRPr sz="1400"/>
-          </a:p>
-        </p:txBody>
-      </p:sp>
-      <p:pic>
-        <p:nvPicPr>
-          <p:cNvPr id="123" name="Google Shape;123;p21"/>
-          <p:cNvPicPr preferRelativeResize="0"/>
-          <p:nvPr/>
-        </p:nvPicPr>
-        <p:blipFill>
-          <a:blip r:embed="rId3">
-            <a:alphaModFix/>
-          </a:blip>
-          <a:stretch>
-            <a:fillRect/>
-          </a:stretch>
-        </p:blipFill>
-        <p:spPr>
-          <a:xfrm>
-            <a:off x="152400" y="1304825"/>
-            <a:ext cx="5519325" cy="3104620"/>
-          </a:xfrm>
-          <a:prstGeom prst="rect">
-            <a:avLst/>
-          </a:prstGeom>
-          <a:noFill/>
-          <a:ln>
-            <a:noFill/>
-          </a:ln>
-        </p:spPr>
-      </p:pic>
     </p:spTree>
   </p:cSld>
   <p:clrMapOvr>

--- a/Pitch.pptx
+++ b/Pitch.pptx
@@ -6596,7 +6596,71 @@
                 <a:cs typeface="Open Sans"/>
                 <a:sym typeface="Open Sans"/>
               </a:rPr>
-              <a:t>We need to minimize the loss of blood by collecting blood from </a:t>
+              <a:t>We need to minimize the loss of blood by collecting blood from specific groups where there is highest probability of good donations</a:t>
+            </a:r>
+            <a:endParaRPr>
+              <a:latin typeface="Open Sans"/>
+              <a:ea typeface="Open Sans"/>
+              <a:cs typeface="Open Sans"/>
+              <a:sym typeface="Open Sans"/>
+            </a:endParaRPr>
+          </a:p>
+          <a:p>
+            <a:pPr indent="0" lvl="0" marL="0" rtl="0" algn="l">
+              <a:spcBef>
+                <a:spcPts val="0"/>
+              </a:spcBef>
+              <a:spcAft>
+                <a:spcPts val="0"/>
+              </a:spcAft>
+              <a:buNone/>
+            </a:pPr>
+            <a:r>
+              <a:t/>
+            </a:r>
+            <a:endParaRPr>
+              <a:latin typeface="Open Sans"/>
+              <a:ea typeface="Open Sans"/>
+              <a:cs typeface="Open Sans"/>
+              <a:sym typeface="Open Sans"/>
+            </a:endParaRPr>
+          </a:p>
+          <a:p>
+            <a:pPr indent="0" lvl="0" marL="0" rtl="0" algn="l">
+              <a:spcBef>
+                <a:spcPts val="0"/>
+              </a:spcBef>
+              <a:spcAft>
+                <a:spcPts val="0"/>
+              </a:spcAft>
+              <a:buNone/>
+            </a:pPr>
+            <a:r>
+              <a:rPr lang="en">
+                <a:latin typeface="Open Sans"/>
+                <a:ea typeface="Open Sans"/>
+                <a:cs typeface="Open Sans"/>
+                <a:sym typeface="Open Sans"/>
+              </a:rPr>
+              <a:t>Sol: We can </a:t>
+            </a:r>
+            <a:r>
+              <a:rPr lang="en">
+                <a:latin typeface="Open Sans"/>
+                <a:ea typeface="Open Sans"/>
+                <a:cs typeface="Open Sans"/>
+                <a:sym typeface="Open Sans"/>
+              </a:rPr>
+              <a:t>forecast</a:t>
+            </a:r>
+            <a:r>
+              <a:rPr lang="en">
+                <a:latin typeface="Open Sans"/>
+                <a:ea typeface="Open Sans"/>
+                <a:cs typeface="Open Sans"/>
+                <a:sym typeface="Open Sans"/>
+              </a:rPr>
+              <a:t> our predictions that how much donation will be available in specific month. What type of people can volunteer</a:t>
             </a:r>
             <a:endParaRPr>
               <a:latin typeface="Open Sans"/>
